--- a/8-msa-cloud/2. 팀 프로젝트 구성도.pptx
+++ b/8-msa-cloud/2. 팀 프로젝트 구성도.pptx
@@ -5885,7 +5885,7 @@
         </p:nvGrpSpPr>
         <p:grpSpPr>
           <a:xfrm>
-            <a:off x="0" y="3513833"/>
+            <a:off x="-56200" y="2621911"/>
             <a:ext cx="1037405" cy="800178"/>
             <a:chOff x="34147" y="3513833"/>
             <a:chExt cx="1037405" cy="800178"/>
@@ -6671,7 +6671,7 @@
         </p:nvCxnSpPr>
         <p:spPr>
           <a:xfrm flipH="1">
-            <a:off x="895288" y="2477586"/>
+            <a:off x="878285" y="1598025"/>
             <a:ext cx="844573" cy="807696"/>
           </a:xfrm>
           <a:prstGeom prst="straightConnector1">
@@ -6711,9 +6711,9 @@
           <p:nvPr/>
         </p:nvCxnSpPr>
         <p:spPr>
-          <a:xfrm flipV="1">
-            <a:off x="1173976" y="3908758"/>
-            <a:ext cx="600816" cy="11662"/>
+          <a:xfrm>
+            <a:off x="878285" y="3382455"/>
+            <a:ext cx="844573" cy="961853"/>
           </a:xfrm>
           <a:prstGeom prst="straightConnector1">
             <a:avLst/>
@@ -6753,8 +6753,8 @@
         </p:nvCxnSpPr>
         <p:spPr>
           <a:xfrm flipV="1">
-            <a:off x="4998092" y="2930566"/>
-            <a:ext cx="1739326" cy="851354"/>
+            <a:off x="5020771" y="2930567"/>
+            <a:ext cx="1716647" cy="1379653"/>
           </a:xfrm>
           <a:prstGeom prst="straightConnector1">
             <a:avLst/>
@@ -6793,9 +6793,9 @@
           <p:nvPr/>
         </p:nvCxnSpPr>
         <p:spPr>
-          <a:xfrm>
-            <a:off x="4966909" y="4036584"/>
-            <a:ext cx="1796040" cy="191315"/>
+          <a:xfrm flipV="1">
+            <a:off x="5020771" y="4227900"/>
+            <a:ext cx="1742178" cy="248115"/>
           </a:xfrm>
           <a:prstGeom prst="straightConnector1">
             <a:avLst/>
@@ -6989,7 +6989,7 @@
         </p:nvSpPr>
         <p:spPr>
           <a:xfrm>
-            <a:off x="5467534" y="3734208"/>
+            <a:off x="5647047" y="3897634"/>
             <a:ext cx="851452" cy="276999"/>
           </a:xfrm>
           <a:prstGeom prst="rect">
@@ -10138,7 +10138,7 @@
         </p:nvSpPr>
         <p:spPr>
           <a:xfrm>
-            <a:off x="1173976" y="3606585"/>
+            <a:off x="1208020" y="3605782"/>
             <a:ext cx="540404" cy="276999"/>
           </a:xfrm>
           <a:prstGeom prst="rect">
@@ -10174,7 +10174,7 @@
         </p:nvSpPr>
         <p:spPr>
           <a:xfrm>
-            <a:off x="1181343" y="4008588"/>
+            <a:off x="718953" y="3821043"/>
             <a:ext cx="524503" cy="276999"/>
           </a:xfrm>
           <a:prstGeom prst="rect">
@@ -10210,7 +10210,7 @@
         </p:nvSpPr>
         <p:spPr>
           <a:xfrm>
-            <a:off x="1076434" y="2002131"/>
+            <a:off x="777426" y="1469918"/>
             <a:ext cx="725681" cy="461665"/>
           </a:xfrm>
           <a:prstGeom prst="rect">
@@ -10234,7 +10234,6 @@
               <a:rPr lang="en-US" altLang="ko-KR" sz="1200" dirty="0" smtClean="0"/>
               <a:t>/JS/CSS</a:t>
             </a:r>
-            <a:endParaRPr lang="en-US" altLang="ko-KR" sz="1200" dirty="0" smtClean="0"/>
           </a:p>
         </p:txBody>
       </p:sp>
@@ -10254,8 +10253,8 @@
         </p:nvCxnSpPr>
         <p:spPr>
           <a:xfrm>
-            <a:off x="4922901" y="4334383"/>
-            <a:ext cx="1853937" cy="1316857"/>
+            <a:off x="5024053" y="4723346"/>
+            <a:ext cx="1752785" cy="927894"/>
           </a:xfrm>
           <a:prstGeom prst="straightConnector1">
             <a:avLst/>
@@ -15410,7 +15409,7 @@
         </p:nvSpPr>
         <p:spPr>
           <a:xfrm>
-            <a:off x="1348992" y="2716160"/>
+            <a:off x="1120909" y="2400608"/>
             <a:ext cx="681742" cy="461665"/>
           </a:xfrm>
           <a:prstGeom prst="rect">
@@ -15434,7 +15433,6 @@
               <a:rPr lang="en-US" altLang="ko-KR" sz="1200" dirty="0" smtClean="0"/>
               <a:t>/FILE</a:t>
             </a:r>
-            <a:endParaRPr lang="en-US" altLang="ko-KR" sz="1200" dirty="0" smtClean="0"/>
           </a:p>
         </p:txBody>
       </p:sp>
@@ -15461,6 +15459,7 @@
             <a:avLst/>
           </a:prstGeom>
           <a:ln w="25400">
+            <a:headEnd type="triangle"/>
             <a:tailEnd type="none"/>
           </a:ln>
         </p:spPr>
@@ -15493,8 +15492,8 @@
         </p:nvSpPr>
         <p:spPr>
           <a:xfrm>
-            <a:off x="3131868" y="2616110"/>
-            <a:ext cx="726511" cy="276999"/>
+            <a:off x="3091442" y="2539142"/>
+            <a:ext cx="826928" cy="276999"/>
           </a:xfrm>
           <a:prstGeom prst="rect">
             <a:avLst/>
@@ -15509,9 +15508,8 @@
           <a:p>
             <a:r>
               <a:rPr lang="en-US" altLang="ko-KR" sz="1200" dirty="0" smtClean="0"/>
-              <a:t>ORIGIN</a:t>
+              <a:t>DEPLOY</a:t>
             </a:r>
-            <a:endParaRPr lang="en-US" altLang="ko-KR" sz="1200" dirty="0" smtClean="0"/>
           </a:p>
         </p:txBody>
       </p:sp>
@@ -16136,7 +16134,7 @@
         </p:nvCxnSpPr>
         <p:spPr>
           <a:xfrm flipH="1">
-            <a:off x="5161532" y="1473100"/>
+            <a:off x="5086139" y="1397980"/>
             <a:ext cx="1634280" cy="1448275"/>
           </a:xfrm>
           <a:prstGeom prst="straightConnector1">
@@ -16193,7 +16191,6 @@
               <a:rPr lang="en-US" altLang="ko-KR" sz="1200" dirty="0" smtClean="0"/>
               <a:t>PUT/DELETE</a:t>
             </a:r>
-            <a:endParaRPr lang="en-US" altLang="ko-KR" sz="1200" dirty="0" smtClean="0"/>
           </a:p>
         </p:txBody>
       </p:sp>
@@ -16213,8 +16210,8 @@
         </p:nvCxnSpPr>
         <p:spPr>
           <a:xfrm flipV="1">
-            <a:off x="4974964" y="1864889"/>
-            <a:ext cx="1848218" cy="1683094"/>
+            <a:off x="4984438" y="1864889"/>
+            <a:ext cx="1838744" cy="2258015"/>
           </a:xfrm>
           <a:prstGeom prst="straightConnector1">
             <a:avLst/>
@@ -16256,6 +16253,132 @@
           <a:xfrm flipH="1">
             <a:off x="8789242" y="1382597"/>
             <a:ext cx="769178" cy="607677"/>
+          </a:xfrm>
+          <a:prstGeom prst="straightConnector1">
+            <a:avLst/>
+          </a:prstGeom>
+          <a:ln w="25400">
+            <a:tailEnd type="triangle"/>
+          </a:ln>
+        </p:spPr>
+        <p:style>
+          <a:lnRef idx="1">
+            <a:schemeClr val="dk1"/>
+          </a:lnRef>
+          <a:fillRef idx="0">
+            <a:schemeClr val="dk1"/>
+          </a:fillRef>
+          <a:effectRef idx="0">
+            <a:schemeClr val="dk1"/>
+          </a:effectRef>
+          <a:fontRef idx="minor">
+            <a:schemeClr val="tx1"/>
+          </a:fontRef>
+        </p:style>
+      </p:cxnSp>
+      <p:sp>
+        <p:nvSpPr>
+          <p:cNvPr id="170" name="TextBox 169"/>
+          <p:cNvSpPr txBox="1"/>
+          <p:nvPr/>
+        </p:nvSpPr>
+        <p:spPr>
+          <a:xfrm>
+            <a:off x="112001" y="253338"/>
+            <a:ext cx="1905076" cy="646331"/>
+          </a:xfrm>
+          <a:prstGeom prst="rect">
+            <a:avLst/>
+          </a:prstGeom>
+          <a:noFill/>
+        </p:spPr>
+        <p:txBody>
+          <a:bodyPr wrap="square" rtlCol="0">
+            <a:spAutoFit/>
+          </a:bodyPr>
+          <a:lstStyle/>
+          <a:p>
+            <a:r>
+              <a:rPr lang="ko-KR" altLang="en-US" dirty="0" err="1" smtClean="0">
+                <a:solidFill>
+                  <a:srgbClr val="FF0000"/>
+                </a:solidFill>
+              </a:rPr>
+              <a:t>프론트엔드</a:t>
+            </a:r>
+            <a:r>
+              <a:rPr lang="ko-KR" altLang="en-US" dirty="0" smtClean="0">
+                <a:solidFill>
+                  <a:srgbClr val="FF0000"/>
+                </a:solidFill>
+              </a:rPr>
+              <a:t> 서버</a:t>
+            </a:r>
+            <a:endParaRPr lang="en-US" altLang="ko-KR" dirty="0" smtClean="0">
+              <a:solidFill>
+                <a:srgbClr val="FF0000"/>
+              </a:solidFill>
+            </a:endParaRPr>
+          </a:p>
+          <a:p>
+            <a:r>
+              <a:rPr lang="en-US" altLang="ko-KR" dirty="0" smtClean="0">
+                <a:solidFill>
+                  <a:srgbClr val="FF0000"/>
+                </a:solidFill>
+              </a:rPr>
+              <a:t>AWS </a:t>
+            </a:r>
+            <a:r>
+              <a:rPr lang="ko-KR" altLang="en-US" dirty="0" err="1" smtClean="0">
+                <a:solidFill>
+                  <a:srgbClr val="FF0000"/>
+                </a:solidFill>
+              </a:rPr>
+              <a:t>추가계정</a:t>
+            </a:r>
+            <a:r>
+              <a:rPr lang="ko-KR" altLang="en-US" dirty="0" smtClean="0">
+                <a:solidFill>
+                  <a:srgbClr val="FF0000"/>
+                </a:solidFill>
+              </a:rPr>
+              <a:t> </a:t>
+            </a:r>
+            <a:r>
+              <a:rPr lang="en-US" altLang="ko-KR" dirty="0">
+                <a:solidFill>
+                  <a:srgbClr val="FF0000"/>
+                </a:solidFill>
+              </a:rPr>
+              <a:t>3</a:t>
+            </a:r>
+            <a:endParaRPr lang="ko-KR" altLang="en-US" dirty="0">
+              <a:solidFill>
+                <a:srgbClr val="FF0000"/>
+              </a:solidFill>
+            </a:endParaRPr>
+          </a:p>
+        </p:txBody>
+      </p:sp>
+      <p:cxnSp>
+        <p:nvCxnSpPr>
+          <p:cNvPr id="174" name="직선 화살표 연결선 173">
+            <a:extLst>
+              <a:ext uri="{FF2B5EF4-FFF2-40B4-BE49-F238E27FC236}">
+                <a16:creationId xmlns:a16="http://schemas.microsoft.com/office/drawing/2014/main" id="{1AC56F38-F16E-4577-94DC-C68AC97DCF3A}"/>
+              </a:ext>
+            </a:extLst>
+          </p:cNvPr>
+          <p:cNvCxnSpPr>
+            <a:cxnSpLocks/>
+          </p:cNvCxnSpPr>
+          <p:nvPr/>
+        </p:nvCxnSpPr>
+        <p:spPr>
+          <a:xfrm flipH="1">
+            <a:off x="1144271" y="2901849"/>
+            <a:ext cx="655967" cy="2840"/>
           </a:xfrm>
           <a:prstGeom prst="straightConnector1">
             <a:avLst/>

--- a/8-msa-cloud/2. 팀 프로젝트 구성도.pptx
+++ b/8-msa-cloud/2. 팀 프로젝트 구성도.pptx
@@ -259,7 +259,7 @@
           <a:p>
             <a:fld id="{BE385318-83E2-4817-A0DC-E225F8203930}" type="datetimeFigureOut">
               <a:rPr lang="ko-KR" altLang="en-US" smtClean="0"/>
-              <a:t>2021-10-21</a:t>
+              <a:t>2021-11-02</a:t>
             </a:fld>
             <a:endParaRPr lang="ko-KR" altLang="en-US"/>
           </a:p>
@@ -457,7 +457,7 @@
           <a:p>
             <a:fld id="{BE385318-83E2-4817-A0DC-E225F8203930}" type="datetimeFigureOut">
               <a:rPr lang="ko-KR" altLang="en-US" smtClean="0"/>
-              <a:t>2021-10-21</a:t>
+              <a:t>2021-11-02</a:t>
             </a:fld>
             <a:endParaRPr lang="ko-KR" altLang="en-US"/>
           </a:p>
@@ -665,7 +665,7 @@
           <a:p>
             <a:fld id="{BE385318-83E2-4817-A0DC-E225F8203930}" type="datetimeFigureOut">
               <a:rPr lang="ko-KR" altLang="en-US" smtClean="0"/>
-              <a:t>2021-10-21</a:t>
+              <a:t>2021-11-02</a:t>
             </a:fld>
             <a:endParaRPr lang="ko-KR" altLang="en-US"/>
           </a:p>
@@ -863,7 +863,7 @@
           <a:p>
             <a:fld id="{BE385318-83E2-4817-A0DC-E225F8203930}" type="datetimeFigureOut">
               <a:rPr lang="ko-KR" altLang="en-US" smtClean="0"/>
-              <a:t>2021-10-21</a:t>
+              <a:t>2021-11-02</a:t>
             </a:fld>
             <a:endParaRPr lang="ko-KR" altLang="en-US"/>
           </a:p>
@@ -1138,7 +1138,7 @@
           <a:p>
             <a:fld id="{BE385318-83E2-4817-A0DC-E225F8203930}" type="datetimeFigureOut">
               <a:rPr lang="ko-KR" altLang="en-US" smtClean="0"/>
-              <a:t>2021-10-21</a:t>
+              <a:t>2021-11-02</a:t>
             </a:fld>
             <a:endParaRPr lang="ko-KR" altLang="en-US"/>
           </a:p>
@@ -1403,7 +1403,7 @@
           <a:p>
             <a:fld id="{BE385318-83E2-4817-A0DC-E225F8203930}" type="datetimeFigureOut">
               <a:rPr lang="ko-KR" altLang="en-US" smtClean="0"/>
-              <a:t>2021-10-21</a:t>
+              <a:t>2021-11-02</a:t>
             </a:fld>
             <a:endParaRPr lang="ko-KR" altLang="en-US"/>
           </a:p>
@@ -1815,7 +1815,7 @@
           <a:p>
             <a:fld id="{BE385318-83E2-4817-A0DC-E225F8203930}" type="datetimeFigureOut">
               <a:rPr lang="ko-KR" altLang="en-US" smtClean="0"/>
-              <a:t>2021-10-21</a:t>
+              <a:t>2021-11-02</a:t>
             </a:fld>
             <a:endParaRPr lang="ko-KR" altLang="en-US"/>
           </a:p>
@@ -1956,7 +1956,7 @@
           <a:p>
             <a:fld id="{BE385318-83E2-4817-A0DC-E225F8203930}" type="datetimeFigureOut">
               <a:rPr lang="ko-KR" altLang="en-US" smtClean="0"/>
-              <a:t>2021-10-21</a:t>
+              <a:t>2021-11-02</a:t>
             </a:fld>
             <a:endParaRPr lang="ko-KR" altLang="en-US"/>
           </a:p>
@@ -2069,7 +2069,7 @@
           <a:p>
             <a:fld id="{BE385318-83E2-4817-A0DC-E225F8203930}" type="datetimeFigureOut">
               <a:rPr lang="ko-KR" altLang="en-US" smtClean="0"/>
-              <a:t>2021-10-21</a:t>
+              <a:t>2021-11-02</a:t>
             </a:fld>
             <a:endParaRPr lang="ko-KR" altLang="en-US"/>
           </a:p>
@@ -2380,7 +2380,7 @@
           <a:p>
             <a:fld id="{BE385318-83E2-4817-A0DC-E225F8203930}" type="datetimeFigureOut">
               <a:rPr lang="ko-KR" altLang="en-US" smtClean="0"/>
-              <a:t>2021-10-21</a:t>
+              <a:t>2021-11-02</a:t>
             </a:fld>
             <a:endParaRPr lang="ko-KR" altLang="en-US"/>
           </a:p>
@@ -2668,7 +2668,7 @@
           <a:p>
             <a:fld id="{BE385318-83E2-4817-A0DC-E225F8203930}" type="datetimeFigureOut">
               <a:rPr lang="ko-KR" altLang="en-US" smtClean="0"/>
-              <a:t>2021-10-21</a:t>
+              <a:t>2021-11-02</a:t>
             </a:fld>
             <a:endParaRPr lang="ko-KR" altLang="en-US"/>
           </a:p>
@@ -2909,7 +2909,7 @@
           <a:p>
             <a:fld id="{BE385318-83E2-4817-A0DC-E225F8203930}" type="datetimeFigureOut">
               <a:rPr lang="ko-KR" altLang="en-US" smtClean="0"/>
-              <a:t>2021-10-21</a:t>
+              <a:t>2021-11-02</a:t>
             </a:fld>
             <a:endParaRPr lang="ko-KR" altLang="en-US"/>
           </a:p>
@@ -5585,294 +5585,6 @@
       </p:grpSp>
       <p:grpSp>
         <p:nvGrpSpPr>
-          <p:cNvPr id="244" name="그룹 243">
-            <a:extLst>
-              <a:ext uri="{FF2B5EF4-FFF2-40B4-BE49-F238E27FC236}">
-                <a16:creationId xmlns:a16="http://schemas.microsoft.com/office/drawing/2014/main" id="{A818EA25-4F56-4089-AA1D-94011F364F8E}"/>
-              </a:ext>
-            </a:extLst>
-          </p:cNvPr>
-          <p:cNvGrpSpPr/>
-          <p:nvPr/>
-        </p:nvGrpSpPr>
-        <p:grpSpPr>
-          <a:xfrm>
-            <a:off x="2587229" y="271665"/>
-            <a:ext cx="1082096" cy="941731"/>
-            <a:chOff x="3294593" y="434220"/>
-            <a:chExt cx="1577263" cy="1372667"/>
-          </a:xfrm>
-        </p:grpSpPr>
-        <p:pic>
-          <p:nvPicPr>
-            <p:cNvPr id="1054" name="Picture 30" descr="html5 icon 이미지 검색결과">
-              <a:extLst>
-                <a:ext uri="{FF2B5EF4-FFF2-40B4-BE49-F238E27FC236}">
-                  <a16:creationId xmlns:a16="http://schemas.microsoft.com/office/drawing/2014/main" id="{FE2DE3A9-0722-4282-A28C-B99FE0EA5B6B}"/>
-                </a:ext>
-              </a:extLst>
-            </p:cNvPr>
-            <p:cNvPicPr>
-              <a:picLocks noChangeAspect="1" noChangeArrowheads="1"/>
-            </p:cNvPicPr>
-            <p:nvPr/>
-          </p:nvPicPr>
-          <p:blipFill>
-            <a:blip r:embed="rId9" cstate="hqprint">
-              <a:extLst>
-                <a:ext uri="{28A0092B-C50C-407E-A947-70E740481C1C}">
-                  <a14:useLocalDpi xmlns:a14="http://schemas.microsoft.com/office/drawing/2010/main" val="0"/>
-                </a:ext>
-              </a:extLst>
-            </a:blip>
-            <a:srcRect/>
-            <a:stretch>
-              <a:fillRect/>
-            </a:stretch>
-          </p:blipFill>
-          <p:spPr bwMode="auto">
-            <a:xfrm>
-              <a:off x="3763065" y="434220"/>
-              <a:ext cx="640318" cy="640318"/>
-            </a:xfrm>
-            <a:prstGeom prst="rect">
-              <a:avLst/>
-            </a:prstGeom>
-            <a:noFill/>
-            <a:extLst>
-              <a:ext uri="{909E8E84-426E-40DD-AFC4-6F175D3DCCD1}">
-                <a14:hiddenFill xmlns:a14="http://schemas.microsoft.com/office/drawing/2010/main">
-                  <a:solidFill>
-                    <a:srgbClr val="FFFFFF"/>
-                  </a:solidFill>
-                </a14:hiddenFill>
-              </a:ext>
-            </a:extLst>
-          </p:spPr>
-        </p:pic>
-        <p:sp>
-          <p:nvSpPr>
-            <p:cNvPr id="280" name="TextBox 6">
-              <a:extLst>
-                <a:ext uri="{FF2B5EF4-FFF2-40B4-BE49-F238E27FC236}">
-                  <a16:creationId xmlns:a16="http://schemas.microsoft.com/office/drawing/2014/main" id="{12447BC1-CCEB-4C3B-997C-90248E393387}"/>
-                </a:ext>
-              </a:extLst>
-            </p:cNvPr>
-            <p:cNvSpPr txBox="1">
-              <a:spLocks noChangeArrowheads="1"/>
-            </p:cNvSpPr>
-            <p:nvPr/>
-          </p:nvSpPr>
-          <p:spPr bwMode="auto">
-            <a:xfrm>
-              <a:off x="3294593" y="1133964"/>
-              <a:ext cx="1577263" cy="672923"/>
-            </a:xfrm>
-            <a:prstGeom prst="rect">
-              <a:avLst/>
-            </a:prstGeom>
-            <a:noFill/>
-            <a:ln>
-              <a:noFill/>
-            </a:ln>
-            <a:extLst>
-              <a:ext uri="{909E8E84-426E-40DD-AFC4-6F175D3DCCD1}">
-                <a14:hiddenFill xmlns:a14="http://schemas.microsoft.com/office/drawing/2010/main">
-                  <a:solidFill>
-                    <a:srgbClr val="FFFFFF"/>
-                  </a:solidFill>
-                </a14:hiddenFill>
-              </a:ext>
-              <a:ext uri="{91240B29-F687-4F45-9708-019B960494DF}">
-                <a14:hiddenLine xmlns:a14="http://schemas.microsoft.com/office/drawing/2010/main" w="9525">
-                  <a:solidFill>
-                    <a:srgbClr val="000000"/>
-                  </a:solidFill>
-                  <a:miter lim="800000"/>
-                  <a:headEnd/>
-                  <a:tailEnd/>
-                </a14:hiddenLine>
-              </a:ext>
-            </a:extLst>
-          </p:spPr>
-          <p:txBody>
-            <a:bodyPr wrap="square">
-              <a:spAutoFit/>
-            </a:bodyPr>
-            <a:lstStyle>
-              <a:defPPr>
-                <a:defRPr lang="en-US"/>
-              </a:defPPr>
-              <a:lvl1pPr algn="l" rtl="0" eaLnBrk="0" fontAlgn="base" hangingPunct="0">
-                <a:spcBef>
-                  <a:spcPct val="0"/>
-                </a:spcBef>
-                <a:spcAft>
-                  <a:spcPct val="0"/>
-                </a:spcAft>
-                <a:defRPr kern="1200">
-                  <a:solidFill>
-                    <a:schemeClr val="tx1"/>
-                  </a:solidFill>
-                  <a:latin typeface="Calibri" panose="020F0502020204030204" pitchFamily="34" charset="0"/>
-                  <a:ea typeface="+mn-ea"/>
-                  <a:cs typeface="+mn-cs"/>
-                </a:defRPr>
-              </a:lvl1pPr>
-              <a:lvl2pPr marL="457200" algn="l" rtl="0" eaLnBrk="0" fontAlgn="base" hangingPunct="0">
-                <a:spcBef>
-                  <a:spcPct val="0"/>
-                </a:spcBef>
-                <a:spcAft>
-                  <a:spcPct val="0"/>
-                </a:spcAft>
-                <a:defRPr kern="1200">
-                  <a:solidFill>
-                    <a:schemeClr val="tx1"/>
-                  </a:solidFill>
-                  <a:latin typeface="Calibri" panose="020F0502020204030204" pitchFamily="34" charset="0"/>
-                  <a:ea typeface="+mn-ea"/>
-                  <a:cs typeface="+mn-cs"/>
-                </a:defRPr>
-              </a:lvl2pPr>
-              <a:lvl3pPr marL="914400" algn="l" rtl="0" eaLnBrk="0" fontAlgn="base" hangingPunct="0">
-                <a:spcBef>
-                  <a:spcPct val="0"/>
-                </a:spcBef>
-                <a:spcAft>
-                  <a:spcPct val="0"/>
-                </a:spcAft>
-                <a:defRPr kern="1200">
-                  <a:solidFill>
-                    <a:schemeClr val="tx1"/>
-                  </a:solidFill>
-                  <a:latin typeface="Calibri" panose="020F0502020204030204" pitchFamily="34" charset="0"/>
-                  <a:ea typeface="+mn-ea"/>
-                  <a:cs typeface="+mn-cs"/>
-                </a:defRPr>
-              </a:lvl3pPr>
-              <a:lvl4pPr marL="1371600" algn="l" rtl="0" eaLnBrk="0" fontAlgn="base" hangingPunct="0">
-                <a:spcBef>
-                  <a:spcPct val="0"/>
-                </a:spcBef>
-                <a:spcAft>
-                  <a:spcPct val="0"/>
-                </a:spcAft>
-                <a:defRPr kern="1200">
-                  <a:solidFill>
-                    <a:schemeClr val="tx1"/>
-                  </a:solidFill>
-                  <a:latin typeface="Calibri" panose="020F0502020204030204" pitchFamily="34" charset="0"/>
-                  <a:ea typeface="+mn-ea"/>
-                  <a:cs typeface="+mn-cs"/>
-                </a:defRPr>
-              </a:lvl4pPr>
-              <a:lvl5pPr marL="1828800" algn="l" rtl="0" eaLnBrk="0" fontAlgn="base" hangingPunct="0">
-                <a:spcBef>
-                  <a:spcPct val="0"/>
-                </a:spcBef>
-                <a:spcAft>
-                  <a:spcPct val="0"/>
-                </a:spcAft>
-                <a:defRPr kern="1200">
-                  <a:solidFill>
-                    <a:schemeClr val="tx1"/>
-                  </a:solidFill>
-                  <a:latin typeface="Calibri" panose="020F0502020204030204" pitchFamily="34" charset="0"/>
-                  <a:ea typeface="+mn-ea"/>
-                  <a:cs typeface="+mn-cs"/>
-                </a:defRPr>
-              </a:lvl5pPr>
-              <a:lvl6pPr marL="2286000" algn="l" defTabSz="914400" rtl="0" eaLnBrk="1" latinLnBrk="1" hangingPunct="1">
-                <a:defRPr kern="1200">
-                  <a:solidFill>
-                    <a:schemeClr val="tx1"/>
-                  </a:solidFill>
-                  <a:latin typeface="Calibri" panose="020F0502020204030204" pitchFamily="34" charset="0"/>
-                  <a:ea typeface="+mn-ea"/>
-                  <a:cs typeface="+mn-cs"/>
-                </a:defRPr>
-              </a:lvl6pPr>
-              <a:lvl7pPr marL="2743200" algn="l" defTabSz="914400" rtl="0" eaLnBrk="1" latinLnBrk="1" hangingPunct="1">
-                <a:defRPr kern="1200">
-                  <a:solidFill>
-                    <a:schemeClr val="tx1"/>
-                  </a:solidFill>
-                  <a:latin typeface="Calibri" panose="020F0502020204030204" pitchFamily="34" charset="0"/>
-                  <a:ea typeface="+mn-ea"/>
-                  <a:cs typeface="+mn-cs"/>
-                </a:defRPr>
-              </a:lvl7pPr>
-              <a:lvl8pPr marL="3200400" algn="l" defTabSz="914400" rtl="0" eaLnBrk="1" latinLnBrk="1" hangingPunct="1">
-                <a:defRPr kern="1200">
-                  <a:solidFill>
-                    <a:schemeClr val="tx1"/>
-                  </a:solidFill>
-                  <a:latin typeface="Calibri" panose="020F0502020204030204" pitchFamily="34" charset="0"/>
-                  <a:ea typeface="+mn-ea"/>
-                  <a:cs typeface="+mn-cs"/>
-                </a:defRPr>
-              </a:lvl8pPr>
-              <a:lvl9pPr marL="3657600" algn="l" defTabSz="914400" rtl="0" eaLnBrk="1" latinLnBrk="1" hangingPunct="1">
-                <a:defRPr kern="1200">
-                  <a:solidFill>
-                    <a:schemeClr val="tx1"/>
-                  </a:solidFill>
-                  <a:latin typeface="Calibri" panose="020F0502020204030204" pitchFamily="34" charset="0"/>
-                  <a:ea typeface="+mn-ea"/>
-                  <a:cs typeface="+mn-cs"/>
-                </a:defRPr>
-              </a:lvl9pPr>
-            </a:lstStyle>
-            <a:p>
-              <a:pPr algn="ctr" eaLnBrk="1" hangingPunct="1"/>
-              <a:r>
-                <a:rPr lang="en-US" altLang="en-US" sz="1200" dirty="0">
-                  <a:latin typeface="Arial" panose="020B0604020202020204" pitchFamily="34" charset="0"/>
-                  <a:ea typeface="Amazon Ember" pitchFamily="34" charset="0"/>
-                  <a:cs typeface="Arial" panose="020B0604020202020204" pitchFamily="34" charset="0"/>
-                </a:rPr>
-                <a:t>HTML5 </a:t>
-              </a:r>
-              <a:endParaRPr lang="en-US" altLang="en-US" sz="1200" dirty="0" smtClean="0">
-                <a:latin typeface="Arial" panose="020B0604020202020204" pitchFamily="34" charset="0"/>
-                <a:ea typeface="Amazon Ember" pitchFamily="34" charset="0"/>
-                <a:cs typeface="Arial" panose="020B0604020202020204" pitchFamily="34" charset="0"/>
-              </a:endParaRPr>
-            </a:p>
-            <a:p>
-              <a:pPr algn="ctr" eaLnBrk="1" hangingPunct="1"/>
-              <a:r>
-                <a:rPr lang="en-US" altLang="en-US" sz="1200" dirty="0" err="1" smtClean="0">
-                  <a:latin typeface="Arial" panose="020B0604020202020204" pitchFamily="34" charset="0"/>
-                  <a:ea typeface="Amazon Ember" pitchFamily="34" charset="0"/>
-                  <a:cs typeface="Arial" panose="020B0604020202020204" pitchFamily="34" charset="0"/>
-                </a:rPr>
-                <a:t>Auth</a:t>
-              </a:r>
-              <a:r>
-                <a:rPr lang="en-US" altLang="en-US" sz="1200" dirty="0" smtClean="0">
-                  <a:latin typeface="Arial" panose="020B0604020202020204" pitchFamily="34" charset="0"/>
-                  <a:ea typeface="Amazon Ember" pitchFamily="34" charset="0"/>
-                  <a:cs typeface="Arial" panose="020B0604020202020204" pitchFamily="34" charset="0"/>
-                </a:rPr>
-                <a:t> </a:t>
-              </a:r>
-              <a:r>
-                <a:rPr lang="en-US" altLang="en-US" sz="1200" dirty="0">
-                  <a:latin typeface="Arial" panose="020B0604020202020204" pitchFamily="34" charset="0"/>
-                  <a:ea typeface="Amazon Ember" pitchFamily="34" charset="0"/>
-                  <a:cs typeface="Arial" panose="020B0604020202020204" pitchFamily="34" charset="0"/>
-                </a:rPr>
-                <a:t>App</a:t>
-              </a:r>
-            </a:p>
-          </p:txBody>
-        </p:sp>
-      </p:grpSp>
-      <p:grpSp>
-        <p:nvGrpSpPr>
           <p:cNvPr id="299" name="그룹 298">
             <a:extLst>
               <a:ext uri="{FF2B5EF4-FFF2-40B4-BE49-F238E27FC236}">
@@ -5926,7 +5638,7 @@
               <p:nvPr/>
             </p:nvPicPr>
             <p:blipFill>
-              <a:blip r:embed="rId10" cstate="hqprint">
+              <a:blip r:embed="rId9" cstate="hqprint">
                 <a:extLst>
                   <a:ext uri="{28A0092B-C50C-407E-A947-70E740481C1C}">
                     <a14:useLocalDpi xmlns:a14="http://schemas.microsoft.com/office/drawing/2010/main" val="0"/>
@@ -6175,7 +5887,7 @@
             <p:nvPr/>
           </p:nvPicPr>
           <p:blipFill>
-            <a:blip r:embed="rId11" cstate="hqprint">
+            <a:blip r:embed="rId10" cstate="hqprint">
               <a:extLst>
                 <a:ext uri="{28A0092B-C50C-407E-A947-70E740481C1C}">
                   <a14:useLocalDpi xmlns:a14="http://schemas.microsoft.com/office/drawing/2010/main" val="0"/>
@@ -6223,7 +5935,7 @@
           <p:nvPr/>
         </p:nvPicPr>
         <p:blipFill>
-          <a:blip r:embed="rId12" cstate="hqprint">
+          <a:blip r:embed="rId11" cstate="hqprint">
             <a:extLst>
               <a:ext uri="{28A0092B-C50C-407E-A947-70E740481C1C}">
                 <a14:useLocalDpi xmlns:a14="http://schemas.microsoft.com/office/drawing/2010/main" val="0"/>
@@ -7085,8 +6797,8 @@
         </p:nvSpPr>
         <p:spPr>
           <a:xfrm>
-            <a:off x="1975512" y="129419"/>
-            <a:ext cx="2927583" cy="2195376"/>
+            <a:off x="1975512" y="129420"/>
+            <a:ext cx="2927583" cy="1011942"/>
           </a:xfrm>
           <a:prstGeom prst="rect">
             <a:avLst/>
@@ -7270,7 +6982,7 @@
         </p:nvGrpSpPr>
         <p:grpSpPr>
           <a:xfrm>
-            <a:off x="1985541" y="1305850"/>
+            <a:off x="2228771" y="186893"/>
             <a:ext cx="722746" cy="856200"/>
             <a:chOff x="2044586" y="1140037"/>
             <a:chExt cx="722746" cy="856200"/>
@@ -7285,7 +6997,7 @@
             <p:nvPr/>
           </p:nvPicPr>
           <p:blipFill>
-            <a:blip r:embed="rId13" cstate="hqprint">
+            <a:blip r:embed="rId12" cstate="hqprint">
               <a:extLst>
                 <a:ext uri="{28A0092B-C50C-407E-A947-70E740481C1C}">
                   <a14:useLocalDpi xmlns:a14="http://schemas.microsoft.com/office/drawing/2010/main" val="0"/>
@@ -7513,526 +7225,6 @@
       </p:grpSp>
       <p:grpSp>
         <p:nvGrpSpPr>
-          <p:cNvPr id="6" name="그룹 5"/>
-          <p:cNvGrpSpPr/>
-          <p:nvPr/>
-        </p:nvGrpSpPr>
-        <p:grpSpPr>
-          <a:xfrm>
-            <a:off x="3291334" y="1313971"/>
-            <a:ext cx="874212" cy="1008520"/>
-            <a:chOff x="3623628" y="1241054"/>
-            <a:chExt cx="874212" cy="1008520"/>
-          </a:xfrm>
-        </p:grpSpPr>
-        <p:sp>
-          <p:nvSpPr>
-            <p:cNvPr id="285" name="TextBox 6">
-              <a:extLst>
-                <a:ext uri="{FF2B5EF4-FFF2-40B4-BE49-F238E27FC236}">
-                  <a16:creationId xmlns:a16="http://schemas.microsoft.com/office/drawing/2014/main" id="{C7C211EC-3B53-41BD-98AC-6E1739B7FB71}"/>
-                </a:ext>
-              </a:extLst>
-            </p:cNvPr>
-            <p:cNvSpPr txBox="1">
-              <a:spLocks noChangeArrowheads="1"/>
-            </p:cNvSpPr>
-            <p:nvPr/>
-          </p:nvSpPr>
-          <p:spPr bwMode="auto">
-            <a:xfrm>
-              <a:off x="3730575" y="1787909"/>
-              <a:ext cx="660111" cy="461665"/>
-            </a:xfrm>
-            <a:prstGeom prst="rect">
-              <a:avLst/>
-            </a:prstGeom>
-            <a:noFill/>
-            <a:ln>
-              <a:noFill/>
-            </a:ln>
-            <a:extLst>
-              <a:ext uri="{909E8E84-426E-40DD-AFC4-6F175D3DCCD1}">
-                <a14:hiddenFill xmlns:a14="http://schemas.microsoft.com/office/drawing/2010/main">
-                  <a:solidFill>
-                    <a:srgbClr val="FFFFFF"/>
-                  </a:solidFill>
-                </a14:hiddenFill>
-              </a:ext>
-              <a:ext uri="{91240B29-F687-4F45-9708-019B960494DF}">
-                <a14:hiddenLine xmlns:a14="http://schemas.microsoft.com/office/drawing/2010/main" w="9525">
-                  <a:solidFill>
-                    <a:srgbClr val="000000"/>
-                  </a:solidFill>
-                  <a:miter lim="800000"/>
-                  <a:headEnd/>
-                  <a:tailEnd/>
-                </a14:hiddenLine>
-              </a:ext>
-            </a:extLst>
-          </p:spPr>
-          <p:txBody>
-            <a:bodyPr wrap="square">
-              <a:spAutoFit/>
-            </a:bodyPr>
-            <a:lstStyle>
-              <a:defPPr>
-                <a:defRPr lang="en-US"/>
-              </a:defPPr>
-              <a:lvl1pPr algn="l" rtl="0" eaLnBrk="0" fontAlgn="base" hangingPunct="0">
-                <a:spcBef>
-                  <a:spcPct val="0"/>
-                </a:spcBef>
-                <a:spcAft>
-                  <a:spcPct val="0"/>
-                </a:spcAft>
-                <a:defRPr kern="1200">
-                  <a:solidFill>
-                    <a:schemeClr val="tx1"/>
-                  </a:solidFill>
-                  <a:latin typeface="Calibri" panose="020F0502020204030204" pitchFamily="34" charset="0"/>
-                  <a:ea typeface="+mn-ea"/>
-                  <a:cs typeface="+mn-cs"/>
-                </a:defRPr>
-              </a:lvl1pPr>
-              <a:lvl2pPr marL="457200" algn="l" rtl="0" eaLnBrk="0" fontAlgn="base" hangingPunct="0">
-                <a:spcBef>
-                  <a:spcPct val="0"/>
-                </a:spcBef>
-                <a:spcAft>
-                  <a:spcPct val="0"/>
-                </a:spcAft>
-                <a:defRPr kern="1200">
-                  <a:solidFill>
-                    <a:schemeClr val="tx1"/>
-                  </a:solidFill>
-                  <a:latin typeface="Calibri" panose="020F0502020204030204" pitchFamily="34" charset="0"/>
-                  <a:ea typeface="+mn-ea"/>
-                  <a:cs typeface="+mn-cs"/>
-                </a:defRPr>
-              </a:lvl2pPr>
-              <a:lvl3pPr marL="914400" algn="l" rtl="0" eaLnBrk="0" fontAlgn="base" hangingPunct="0">
-                <a:spcBef>
-                  <a:spcPct val="0"/>
-                </a:spcBef>
-                <a:spcAft>
-                  <a:spcPct val="0"/>
-                </a:spcAft>
-                <a:defRPr kern="1200">
-                  <a:solidFill>
-                    <a:schemeClr val="tx1"/>
-                  </a:solidFill>
-                  <a:latin typeface="Calibri" panose="020F0502020204030204" pitchFamily="34" charset="0"/>
-                  <a:ea typeface="+mn-ea"/>
-                  <a:cs typeface="+mn-cs"/>
-                </a:defRPr>
-              </a:lvl3pPr>
-              <a:lvl4pPr marL="1371600" algn="l" rtl="0" eaLnBrk="0" fontAlgn="base" hangingPunct="0">
-                <a:spcBef>
-                  <a:spcPct val="0"/>
-                </a:spcBef>
-                <a:spcAft>
-                  <a:spcPct val="0"/>
-                </a:spcAft>
-                <a:defRPr kern="1200">
-                  <a:solidFill>
-                    <a:schemeClr val="tx1"/>
-                  </a:solidFill>
-                  <a:latin typeface="Calibri" panose="020F0502020204030204" pitchFamily="34" charset="0"/>
-                  <a:ea typeface="+mn-ea"/>
-                  <a:cs typeface="+mn-cs"/>
-                </a:defRPr>
-              </a:lvl4pPr>
-              <a:lvl5pPr marL="1828800" algn="l" rtl="0" eaLnBrk="0" fontAlgn="base" hangingPunct="0">
-                <a:spcBef>
-                  <a:spcPct val="0"/>
-                </a:spcBef>
-                <a:spcAft>
-                  <a:spcPct val="0"/>
-                </a:spcAft>
-                <a:defRPr kern="1200">
-                  <a:solidFill>
-                    <a:schemeClr val="tx1"/>
-                  </a:solidFill>
-                  <a:latin typeface="Calibri" panose="020F0502020204030204" pitchFamily="34" charset="0"/>
-                  <a:ea typeface="+mn-ea"/>
-                  <a:cs typeface="+mn-cs"/>
-                </a:defRPr>
-              </a:lvl5pPr>
-              <a:lvl6pPr marL="2286000" algn="l" defTabSz="914400" rtl="0" eaLnBrk="1" latinLnBrk="1" hangingPunct="1">
-                <a:defRPr kern="1200">
-                  <a:solidFill>
-                    <a:schemeClr val="tx1"/>
-                  </a:solidFill>
-                  <a:latin typeface="Calibri" panose="020F0502020204030204" pitchFamily="34" charset="0"/>
-                  <a:ea typeface="+mn-ea"/>
-                  <a:cs typeface="+mn-cs"/>
-                </a:defRPr>
-              </a:lvl6pPr>
-              <a:lvl7pPr marL="2743200" algn="l" defTabSz="914400" rtl="0" eaLnBrk="1" latinLnBrk="1" hangingPunct="1">
-                <a:defRPr kern="1200">
-                  <a:solidFill>
-                    <a:schemeClr val="tx1"/>
-                  </a:solidFill>
-                  <a:latin typeface="Calibri" panose="020F0502020204030204" pitchFamily="34" charset="0"/>
-                  <a:ea typeface="+mn-ea"/>
-                  <a:cs typeface="+mn-cs"/>
-                </a:defRPr>
-              </a:lvl7pPr>
-              <a:lvl8pPr marL="3200400" algn="l" defTabSz="914400" rtl="0" eaLnBrk="1" latinLnBrk="1" hangingPunct="1">
-                <a:defRPr kern="1200">
-                  <a:solidFill>
-                    <a:schemeClr val="tx1"/>
-                  </a:solidFill>
-                  <a:latin typeface="Calibri" panose="020F0502020204030204" pitchFamily="34" charset="0"/>
-                  <a:ea typeface="+mn-ea"/>
-                  <a:cs typeface="+mn-cs"/>
-                </a:defRPr>
-              </a:lvl8pPr>
-              <a:lvl9pPr marL="3657600" algn="l" defTabSz="914400" rtl="0" eaLnBrk="1" latinLnBrk="1" hangingPunct="1">
-                <a:defRPr kern="1200">
-                  <a:solidFill>
-                    <a:schemeClr val="tx1"/>
-                  </a:solidFill>
-                  <a:latin typeface="Calibri" panose="020F0502020204030204" pitchFamily="34" charset="0"/>
-                  <a:ea typeface="+mn-ea"/>
-                  <a:cs typeface="+mn-cs"/>
-                </a:defRPr>
-              </a:lvl9pPr>
-            </a:lstStyle>
-            <a:p>
-              <a:pPr algn="ctr" eaLnBrk="1" hangingPunct="1"/>
-              <a:r>
-                <a:rPr lang="en-US" altLang="en-US" sz="1200" dirty="0" smtClean="0">
-                  <a:latin typeface="Arial" panose="020B0604020202020204" pitchFamily="34" charset="0"/>
-                  <a:ea typeface="Amazon Ember" pitchFamily="34" charset="0"/>
-                  <a:cs typeface="Arial" panose="020B0604020202020204" pitchFamily="34" charset="0"/>
-                </a:rPr>
-                <a:t>React</a:t>
-              </a:r>
-            </a:p>
-            <a:p>
-              <a:pPr algn="ctr" eaLnBrk="1" hangingPunct="1"/>
-              <a:r>
-                <a:rPr lang="en-US" altLang="en-US" sz="1200" dirty="0" smtClean="0">
-                  <a:latin typeface="Arial" panose="020B0604020202020204" pitchFamily="34" charset="0"/>
-                  <a:ea typeface="Amazon Ember" pitchFamily="34" charset="0"/>
-                  <a:cs typeface="Arial" panose="020B0604020202020204" pitchFamily="34" charset="0"/>
-                </a:rPr>
-                <a:t>SPA C</a:t>
-              </a:r>
-              <a:endParaRPr lang="en-US" altLang="en-US" sz="1200" dirty="0">
-                <a:latin typeface="Arial" panose="020B0604020202020204" pitchFamily="34" charset="0"/>
-                <a:ea typeface="Amazon Ember" pitchFamily="34" charset="0"/>
-                <a:cs typeface="Arial" panose="020B0604020202020204" pitchFamily="34" charset="0"/>
-              </a:endParaRPr>
-            </a:p>
-          </p:txBody>
-        </p:sp>
-        <p:pic>
-          <p:nvPicPr>
-            <p:cNvPr id="158" name="Picture 4" descr="파일:React-icon.svg - 위키백과, 우리 모두의 백과사전"/>
-            <p:cNvPicPr>
-              <a:picLocks noChangeAspect="1" noChangeArrowheads="1"/>
-            </p:cNvPicPr>
-            <p:nvPr/>
-          </p:nvPicPr>
-          <p:blipFill>
-            <a:blip r:embed="rId14" cstate="hqprint">
-              <a:extLst>
-                <a:ext uri="{28A0092B-C50C-407E-A947-70E740481C1C}">
-                  <a14:useLocalDpi xmlns:a14="http://schemas.microsoft.com/office/drawing/2010/main" val="0"/>
-                </a:ext>
-              </a:extLst>
-            </a:blip>
-            <a:srcRect/>
-            <a:stretch>
-              <a:fillRect/>
-            </a:stretch>
-          </p:blipFill>
-          <p:spPr bwMode="auto">
-            <a:xfrm>
-              <a:off x="3623628" y="1241054"/>
-              <a:ext cx="874212" cy="617754"/>
-            </a:xfrm>
-            <a:prstGeom prst="rect">
-              <a:avLst/>
-            </a:prstGeom>
-            <a:noFill/>
-            <a:extLst>
-              <a:ext uri="{909E8E84-426E-40DD-AFC4-6F175D3DCCD1}">
-                <a14:hiddenFill xmlns:a14="http://schemas.microsoft.com/office/drawing/2010/main">
-                  <a:solidFill>
-                    <a:srgbClr val="FFFFFF"/>
-                  </a:solidFill>
-                </a14:hiddenFill>
-              </a:ext>
-            </a:extLst>
-          </p:spPr>
-        </p:pic>
-      </p:grpSp>
-      <p:grpSp>
-        <p:nvGrpSpPr>
-          <p:cNvPr id="8" name="그룹 7"/>
-          <p:cNvGrpSpPr/>
-          <p:nvPr/>
-        </p:nvGrpSpPr>
-        <p:grpSpPr>
-          <a:xfrm>
-            <a:off x="2627882" y="1259702"/>
-            <a:ext cx="888420" cy="1073110"/>
-            <a:chOff x="3639618" y="51833"/>
-            <a:chExt cx="888420" cy="1073110"/>
-          </a:xfrm>
-        </p:grpSpPr>
-        <p:sp>
-          <p:nvSpPr>
-            <p:cNvPr id="283" name="TextBox 6">
-              <a:extLst>
-                <a:ext uri="{FF2B5EF4-FFF2-40B4-BE49-F238E27FC236}">
-                  <a16:creationId xmlns:a16="http://schemas.microsoft.com/office/drawing/2014/main" id="{AF95602F-DBCD-44A9-90D3-74FBAC397CC8}"/>
-                </a:ext>
-              </a:extLst>
-            </p:cNvPr>
-            <p:cNvSpPr txBox="1">
-              <a:spLocks noChangeArrowheads="1"/>
-            </p:cNvSpPr>
-            <p:nvPr/>
-          </p:nvSpPr>
-          <p:spPr bwMode="auto">
-            <a:xfrm>
-              <a:off x="3763251" y="663278"/>
-              <a:ext cx="653593" cy="461665"/>
-            </a:xfrm>
-            <a:prstGeom prst="rect">
-              <a:avLst/>
-            </a:prstGeom>
-            <a:noFill/>
-            <a:ln>
-              <a:noFill/>
-            </a:ln>
-            <a:extLst>
-              <a:ext uri="{909E8E84-426E-40DD-AFC4-6F175D3DCCD1}">
-                <a14:hiddenFill xmlns:a14="http://schemas.microsoft.com/office/drawing/2010/main">
-                  <a:solidFill>
-                    <a:srgbClr val="FFFFFF"/>
-                  </a:solidFill>
-                </a14:hiddenFill>
-              </a:ext>
-              <a:ext uri="{91240B29-F687-4F45-9708-019B960494DF}">
-                <a14:hiddenLine xmlns:a14="http://schemas.microsoft.com/office/drawing/2010/main" w="9525">
-                  <a:solidFill>
-                    <a:srgbClr val="000000"/>
-                  </a:solidFill>
-                  <a:miter lim="800000"/>
-                  <a:headEnd/>
-                  <a:tailEnd/>
-                </a14:hiddenLine>
-              </a:ext>
-            </a:extLst>
-          </p:spPr>
-          <p:txBody>
-            <a:bodyPr wrap="square">
-              <a:spAutoFit/>
-            </a:bodyPr>
-            <a:lstStyle>
-              <a:defPPr>
-                <a:defRPr lang="en-US"/>
-              </a:defPPr>
-              <a:lvl1pPr algn="l" rtl="0" eaLnBrk="0" fontAlgn="base" hangingPunct="0">
-                <a:spcBef>
-                  <a:spcPct val="0"/>
-                </a:spcBef>
-                <a:spcAft>
-                  <a:spcPct val="0"/>
-                </a:spcAft>
-                <a:defRPr kern="1200">
-                  <a:solidFill>
-                    <a:schemeClr val="tx1"/>
-                  </a:solidFill>
-                  <a:latin typeface="Calibri" panose="020F0502020204030204" pitchFamily="34" charset="0"/>
-                  <a:ea typeface="+mn-ea"/>
-                  <a:cs typeface="+mn-cs"/>
-                </a:defRPr>
-              </a:lvl1pPr>
-              <a:lvl2pPr marL="457200" algn="l" rtl="0" eaLnBrk="0" fontAlgn="base" hangingPunct="0">
-                <a:spcBef>
-                  <a:spcPct val="0"/>
-                </a:spcBef>
-                <a:spcAft>
-                  <a:spcPct val="0"/>
-                </a:spcAft>
-                <a:defRPr kern="1200">
-                  <a:solidFill>
-                    <a:schemeClr val="tx1"/>
-                  </a:solidFill>
-                  <a:latin typeface="Calibri" panose="020F0502020204030204" pitchFamily="34" charset="0"/>
-                  <a:ea typeface="+mn-ea"/>
-                  <a:cs typeface="+mn-cs"/>
-                </a:defRPr>
-              </a:lvl2pPr>
-              <a:lvl3pPr marL="914400" algn="l" rtl="0" eaLnBrk="0" fontAlgn="base" hangingPunct="0">
-                <a:spcBef>
-                  <a:spcPct val="0"/>
-                </a:spcBef>
-                <a:spcAft>
-                  <a:spcPct val="0"/>
-                </a:spcAft>
-                <a:defRPr kern="1200">
-                  <a:solidFill>
-                    <a:schemeClr val="tx1"/>
-                  </a:solidFill>
-                  <a:latin typeface="Calibri" panose="020F0502020204030204" pitchFamily="34" charset="0"/>
-                  <a:ea typeface="+mn-ea"/>
-                  <a:cs typeface="+mn-cs"/>
-                </a:defRPr>
-              </a:lvl3pPr>
-              <a:lvl4pPr marL="1371600" algn="l" rtl="0" eaLnBrk="0" fontAlgn="base" hangingPunct="0">
-                <a:spcBef>
-                  <a:spcPct val="0"/>
-                </a:spcBef>
-                <a:spcAft>
-                  <a:spcPct val="0"/>
-                </a:spcAft>
-                <a:defRPr kern="1200">
-                  <a:solidFill>
-                    <a:schemeClr val="tx1"/>
-                  </a:solidFill>
-                  <a:latin typeface="Calibri" panose="020F0502020204030204" pitchFamily="34" charset="0"/>
-                  <a:ea typeface="+mn-ea"/>
-                  <a:cs typeface="+mn-cs"/>
-                </a:defRPr>
-              </a:lvl4pPr>
-              <a:lvl5pPr marL="1828800" algn="l" rtl="0" eaLnBrk="0" fontAlgn="base" hangingPunct="0">
-                <a:spcBef>
-                  <a:spcPct val="0"/>
-                </a:spcBef>
-                <a:spcAft>
-                  <a:spcPct val="0"/>
-                </a:spcAft>
-                <a:defRPr kern="1200">
-                  <a:solidFill>
-                    <a:schemeClr val="tx1"/>
-                  </a:solidFill>
-                  <a:latin typeface="Calibri" panose="020F0502020204030204" pitchFamily="34" charset="0"/>
-                  <a:ea typeface="+mn-ea"/>
-                  <a:cs typeface="+mn-cs"/>
-                </a:defRPr>
-              </a:lvl5pPr>
-              <a:lvl6pPr marL="2286000" algn="l" defTabSz="914400" rtl="0" eaLnBrk="1" latinLnBrk="1" hangingPunct="1">
-                <a:defRPr kern="1200">
-                  <a:solidFill>
-                    <a:schemeClr val="tx1"/>
-                  </a:solidFill>
-                  <a:latin typeface="Calibri" panose="020F0502020204030204" pitchFamily="34" charset="0"/>
-                  <a:ea typeface="+mn-ea"/>
-                  <a:cs typeface="+mn-cs"/>
-                </a:defRPr>
-              </a:lvl6pPr>
-              <a:lvl7pPr marL="2743200" algn="l" defTabSz="914400" rtl="0" eaLnBrk="1" latinLnBrk="1" hangingPunct="1">
-                <a:defRPr kern="1200">
-                  <a:solidFill>
-                    <a:schemeClr val="tx1"/>
-                  </a:solidFill>
-                  <a:latin typeface="Calibri" panose="020F0502020204030204" pitchFamily="34" charset="0"/>
-                  <a:ea typeface="+mn-ea"/>
-                  <a:cs typeface="+mn-cs"/>
-                </a:defRPr>
-              </a:lvl7pPr>
-              <a:lvl8pPr marL="3200400" algn="l" defTabSz="914400" rtl="0" eaLnBrk="1" latinLnBrk="1" hangingPunct="1">
-                <a:defRPr kern="1200">
-                  <a:solidFill>
-                    <a:schemeClr val="tx1"/>
-                  </a:solidFill>
-                  <a:latin typeface="Calibri" panose="020F0502020204030204" pitchFamily="34" charset="0"/>
-                  <a:ea typeface="+mn-ea"/>
-                  <a:cs typeface="+mn-cs"/>
-                </a:defRPr>
-              </a:lvl8pPr>
-              <a:lvl9pPr marL="3657600" algn="l" defTabSz="914400" rtl="0" eaLnBrk="1" latinLnBrk="1" hangingPunct="1">
-                <a:defRPr kern="1200">
-                  <a:solidFill>
-                    <a:schemeClr val="tx1"/>
-                  </a:solidFill>
-                  <a:latin typeface="Calibri" panose="020F0502020204030204" pitchFamily="34" charset="0"/>
-                  <a:ea typeface="+mn-ea"/>
-                  <a:cs typeface="+mn-cs"/>
-                </a:defRPr>
-              </a:lvl9pPr>
-            </a:lstStyle>
-            <a:p>
-              <a:pPr algn="ctr" eaLnBrk="1" hangingPunct="1"/>
-              <a:r>
-                <a:rPr lang="en-US" altLang="en-US" sz="1200" dirty="0" smtClean="0">
-                  <a:latin typeface="Arial" panose="020B0604020202020204" pitchFamily="34" charset="0"/>
-                  <a:ea typeface="Amazon Ember" pitchFamily="34" charset="0"/>
-                  <a:cs typeface="Arial" panose="020B0604020202020204" pitchFamily="34" charset="0"/>
-                </a:rPr>
-                <a:t>React </a:t>
-              </a:r>
-            </a:p>
-            <a:p>
-              <a:pPr algn="ctr" eaLnBrk="1" hangingPunct="1"/>
-              <a:r>
-                <a:rPr lang="en-US" altLang="en-US" sz="1200" dirty="0" smtClean="0">
-                  <a:latin typeface="Arial" panose="020B0604020202020204" pitchFamily="34" charset="0"/>
-                  <a:ea typeface="Amazon Ember" pitchFamily="34" charset="0"/>
-                  <a:cs typeface="Arial" panose="020B0604020202020204" pitchFamily="34" charset="0"/>
-                </a:rPr>
-                <a:t>SPA B</a:t>
-              </a:r>
-              <a:endParaRPr lang="en-US" altLang="en-US" sz="1200" dirty="0">
-                <a:latin typeface="Arial" panose="020B0604020202020204" pitchFamily="34" charset="0"/>
-                <a:ea typeface="Amazon Ember" pitchFamily="34" charset="0"/>
-                <a:cs typeface="Arial" panose="020B0604020202020204" pitchFamily="34" charset="0"/>
-              </a:endParaRPr>
-            </a:p>
-          </p:txBody>
-        </p:sp>
-        <p:pic>
-          <p:nvPicPr>
-            <p:cNvPr id="159" name="Picture 4" descr="파일:React-icon.svg - 위키백과, 우리 모두의 백과사전"/>
-            <p:cNvPicPr>
-              <a:picLocks noChangeAspect="1" noChangeArrowheads="1"/>
-            </p:cNvPicPr>
-            <p:nvPr/>
-          </p:nvPicPr>
-          <p:blipFill>
-            <a:blip r:embed="rId15" cstate="hqprint">
-              <a:extLst>
-                <a:ext uri="{28A0092B-C50C-407E-A947-70E740481C1C}">
-                  <a14:useLocalDpi xmlns:a14="http://schemas.microsoft.com/office/drawing/2010/main" val="0"/>
-                </a:ext>
-              </a:extLst>
-            </a:blip>
-            <a:srcRect/>
-            <a:stretch>
-              <a:fillRect/>
-            </a:stretch>
-          </p:blipFill>
-          <p:spPr bwMode="auto">
-            <a:xfrm>
-              <a:off x="3639618" y="51833"/>
-              <a:ext cx="888420" cy="627794"/>
-            </a:xfrm>
-            <a:prstGeom prst="rect">
-              <a:avLst/>
-            </a:prstGeom>
-            <a:noFill/>
-            <a:extLst>
-              <a:ext uri="{909E8E84-426E-40DD-AFC4-6F175D3DCCD1}">
-                <a14:hiddenFill xmlns:a14="http://schemas.microsoft.com/office/drawing/2010/main">
-                  <a:solidFill>
-                    <a:srgbClr val="FFFFFF"/>
-                  </a:solidFill>
-                </a14:hiddenFill>
-              </a:ext>
-            </a:extLst>
-          </p:spPr>
-        </p:pic>
-      </p:grpSp>
-      <p:grpSp>
-        <p:nvGrpSpPr>
           <p:cNvPr id="160" name="그룹 159">
             <a:extLst>
               <a:ext uri="{FF2B5EF4-FFF2-40B4-BE49-F238E27FC236}">
@@ -8066,7 +7258,7 @@
             <p:nvPr/>
           </p:nvPicPr>
           <p:blipFill>
-            <a:blip r:embed="rId16" cstate="hqprint">
+            <a:blip r:embed="rId13" cstate="hqprint">
               <a:extLst>
                 <a:ext uri="{28A0092B-C50C-407E-A947-70E740481C1C}">
                   <a14:useLocalDpi xmlns:a14="http://schemas.microsoft.com/office/drawing/2010/main" val="0"/>
@@ -8615,7 +7807,7 @@
           <p:nvPr/>
         </p:nvPicPr>
         <p:blipFill>
-          <a:blip r:embed="rId17" cstate="hqprint">
+          <a:blip r:embed="rId14" cstate="hqprint">
             <a:extLst>
               <a:ext uri="{28A0092B-C50C-407E-A947-70E740481C1C}">
                 <a14:useLocalDpi xmlns:a14="http://schemas.microsoft.com/office/drawing/2010/main" val="0"/>
@@ -8662,7 +7854,7 @@
           <p:nvPr/>
         </p:nvPicPr>
         <p:blipFill>
-          <a:blip r:embed="rId18" cstate="hqprint">
+          <a:blip r:embed="rId15" cstate="hqprint">
             <a:extLst>
               <a:ext uri="{28A0092B-C50C-407E-A947-70E740481C1C}">
                 <a14:useLocalDpi xmlns:a14="http://schemas.microsoft.com/office/drawing/2010/main" val="0"/>
@@ -9208,7 +8400,7 @@
               <p:nvPr/>
             </p:nvPicPr>
             <p:blipFill>
-              <a:blip r:embed="rId19" cstate="hqprint">
+              <a:blip r:embed="rId16" cstate="hqprint">
                 <a:extLst>
                   <a:ext uri="{28A0092B-C50C-407E-A947-70E740481C1C}">
                     <a14:useLocalDpi xmlns:a14="http://schemas.microsoft.com/office/drawing/2010/main" val="0"/>
@@ -9843,7 +9035,7 @@
             <p:nvPr/>
           </p:nvPicPr>
           <p:blipFill>
-            <a:blip r:embed="rId17" cstate="hqprint">
+            <a:blip r:embed="rId14" cstate="hqprint">
               <a:extLst>
                 <a:ext uri="{28A0092B-C50C-407E-A947-70E740481C1C}">
                   <a14:useLocalDpi xmlns:a14="http://schemas.microsoft.com/office/drawing/2010/main" val="0"/>
@@ -9891,7 +9083,7 @@
           <p:nvPr/>
         </p:nvPicPr>
         <p:blipFill>
-          <a:blip r:embed="rId20" cstate="hqprint">
+          <a:blip r:embed="rId17" cstate="hqprint">
             <a:extLst>
               <a:ext uri="{28A0092B-C50C-407E-A947-70E740481C1C}">
                 <a14:useLocalDpi xmlns:a14="http://schemas.microsoft.com/office/drawing/2010/main" val="0"/>
@@ -11095,7 +10287,7 @@
               <p:nvPr/>
             </p:nvPicPr>
             <p:blipFill>
-              <a:blip r:embed="rId19" cstate="hqprint">
+              <a:blip r:embed="rId16" cstate="hqprint">
                 <a:extLst>
                   <a:ext uri="{28A0092B-C50C-407E-A947-70E740481C1C}">
                     <a14:useLocalDpi xmlns:a14="http://schemas.microsoft.com/office/drawing/2010/main" val="0"/>
@@ -11730,7 +10922,7 @@
             <p:nvPr/>
           </p:nvPicPr>
           <p:blipFill>
-            <a:blip r:embed="rId17" cstate="hqprint">
+            <a:blip r:embed="rId14" cstate="hqprint">
               <a:extLst>
                 <a:ext uri="{28A0092B-C50C-407E-A947-70E740481C1C}">
                   <a14:useLocalDpi xmlns:a14="http://schemas.microsoft.com/office/drawing/2010/main" val="0"/>
@@ -11778,7 +10970,7 @@
           <p:nvPr/>
         </p:nvPicPr>
         <p:blipFill>
-          <a:blip r:embed="rId20" cstate="hqprint">
+          <a:blip r:embed="rId17" cstate="hqprint">
             <a:extLst>
               <a:ext uri="{28A0092B-C50C-407E-A947-70E740481C1C}">
                 <a14:useLocalDpi xmlns:a14="http://schemas.microsoft.com/office/drawing/2010/main" val="0"/>
@@ -12700,7 +11892,7 @@
               <p:nvPr/>
             </p:nvPicPr>
             <p:blipFill>
-              <a:blip r:embed="rId19" cstate="hqprint">
+              <a:blip r:embed="rId16" cstate="hqprint">
                 <a:extLst>
                   <a:ext uri="{28A0092B-C50C-407E-A947-70E740481C1C}">
                     <a14:useLocalDpi xmlns:a14="http://schemas.microsoft.com/office/drawing/2010/main" val="0"/>
@@ -13335,7 +12527,7 @@
             <p:nvPr/>
           </p:nvPicPr>
           <p:blipFill>
-            <a:blip r:embed="rId17" cstate="hqprint">
+            <a:blip r:embed="rId14" cstate="hqprint">
               <a:extLst>
                 <a:ext uri="{28A0092B-C50C-407E-A947-70E740481C1C}">
                   <a14:useLocalDpi xmlns:a14="http://schemas.microsoft.com/office/drawing/2010/main" val="0"/>
@@ -13383,7 +12575,7 @@
           <p:nvPr/>
         </p:nvPicPr>
         <p:blipFill>
-          <a:blip r:embed="rId20" cstate="hqprint">
+          <a:blip r:embed="rId17" cstate="hqprint">
             <a:extLst>
               <a:ext uri="{28A0092B-C50C-407E-A947-70E740481C1C}">
                 <a14:useLocalDpi xmlns:a14="http://schemas.microsoft.com/office/drawing/2010/main" val="0"/>
@@ -13723,7 +12915,7 @@
             <p:nvPr/>
           </p:nvPicPr>
           <p:blipFill>
-            <a:blip r:embed="rId21"/>
+            <a:blip r:embed="rId18"/>
             <a:stretch>
               <a:fillRect/>
             </a:stretch>
@@ -14091,10 +13283,10 @@
         </p:nvGrpSpPr>
         <p:grpSpPr>
           <a:xfrm>
-            <a:off x="3275429" y="197057"/>
-            <a:ext cx="888420" cy="1024022"/>
-            <a:chOff x="2842724" y="1218988"/>
-            <a:chExt cx="888420" cy="1024022"/>
+            <a:off x="3732055" y="169500"/>
+            <a:ext cx="1108935" cy="854869"/>
+            <a:chOff x="2747825" y="1218988"/>
+            <a:chExt cx="1108935" cy="854869"/>
           </a:xfrm>
         </p:grpSpPr>
         <p:sp>
@@ -14113,8 +13305,8 @@
           </p:nvSpPr>
           <p:spPr bwMode="auto">
             <a:xfrm>
-              <a:off x="3009662" y="1781345"/>
-              <a:ext cx="615619" cy="461665"/>
+              <a:off x="2747825" y="1796858"/>
+              <a:ext cx="1108935" cy="276999"/>
             </a:xfrm>
             <a:prstGeom prst="rect">
               <a:avLst/>
@@ -14280,18 +13472,15 @@
                   <a:ea typeface="Amazon Ember" pitchFamily="34" charset="0"/>
                   <a:cs typeface="Arial" panose="020B0604020202020204" pitchFamily="34" charset="0"/>
                 </a:rPr>
-                <a:t>React </a:t>
+                <a:t>React App </a:t>
               </a:r>
-            </a:p>
-            <a:p>
-              <a:pPr algn="ctr" eaLnBrk="1" hangingPunct="1"/>
               <a:r>
                 <a:rPr lang="en-US" altLang="en-US" sz="1200" dirty="0" smtClean="0">
                   <a:latin typeface="Arial" panose="020B0604020202020204" pitchFamily="34" charset="0"/>
                   <a:ea typeface="Amazon Ember" pitchFamily="34" charset="0"/>
                   <a:cs typeface="Arial" panose="020B0604020202020204" pitchFamily="34" charset="0"/>
                 </a:rPr>
-                <a:t>SPA A</a:t>
+                <a:t>A</a:t>
               </a:r>
               <a:endParaRPr lang="en-US" altLang="en-US" sz="1200" dirty="0">
                 <a:latin typeface="Arial" panose="020B0604020202020204" pitchFamily="34" charset="0"/>
@@ -14310,7 +13499,7 @@
             <p:nvPr/>
           </p:nvPicPr>
           <p:blipFill>
-            <a:blip r:embed="rId15" cstate="hqprint">
+            <a:blip r:embed="rId19" cstate="hqprint">
               <a:extLst>
                 <a:ext uri="{28A0092B-C50C-407E-A947-70E740481C1C}">
                   <a14:useLocalDpi xmlns:a14="http://schemas.microsoft.com/office/drawing/2010/main" val="0"/>
@@ -14358,7 +13547,7 @@
           <p:nvPr/>
         </p:nvPicPr>
         <p:blipFill>
-          <a:blip r:embed="rId22" cstate="hqprint">
+          <a:blip r:embed="rId20" cstate="hqprint">
             <a:extLst>
               <a:ext uri="{28A0092B-C50C-407E-A947-70E740481C1C}">
                 <a14:useLocalDpi xmlns:a14="http://schemas.microsoft.com/office/drawing/2010/main" val="0"/>
@@ -14606,7 +13795,7 @@
             <p:nvPr/>
           </p:nvPicPr>
           <p:blipFill>
-            <a:blip r:embed="rId23" cstate="hqprint">
+            <a:blip r:embed="rId21" cstate="hqprint">
               <a:extLst>
                 <a:ext uri="{28A0092B-C50C-407E-A947-70E740481C1C}">
                   <a14:useLocalDpi xmlns:a14="http://schemas.microsoft.com/office/drawing/2010/main" val="0"/>
@@ -14667,7 +13856,7 @@
           <p:nvPr/>
         </p:nvPicPr>
         <p:blipFill>
-          <a:blip r:embed="rId24" cstate="hqprint">
+          <a:blip r:embed="rId22" cstate="hqprint">
             <a:extLst>
               <a:ext uri="{28A0092B-C50C-407E-A947-70E740481C1C}">
                 <a14:useLocalDpi xmlns:a14="http://schemas.microsoft.com/office/drawing/2010/main" val="0"/>
@@ -14741,7 +13930,7 @@
             <p:nvPr/>
           </p:nvPicPr>
           <p:blipFill>
-            <a:blip r:embed="rId25" cstate="hqprint">
+            <a:blip r:embed="rId23" cstate="hqprint">
               <a:extLst>
                 <a:ext uri="{28A0092B-C50C-407E-A947-70E740481C1C}">
                   <a14:useLocalDpi xmlns:a14="http://schemas.microsoft.com/office/drawing/2010/main" val="0"/>
@@ -15159,7 +14348,7 @@
           <p:nvPr/>
         </p:nvPicPr>
         <p:blipFill>
-          <a:blip r:embed="rId26" cstate="hqprint">
+          <a:blip r:embed="rId24" cstate="hqprint">
             <a:extLst>
               <a:ext uri="{28A0092B-C50C-407E-A947-70E740481C1C}">
                 <a14:useLocalDpi xmlns:a14="http://schemas.microsoft.com/office/drawing/2010/main" val="0"/>
@@ -16312,22 +15501,7 @@
                   <a:srgbClr val="FF0000"/>
                 </a:solidFill>
               </a:rPr>
-              <a:t> 서버</a:t>
-            </a:r>
-            <a:endParaRPr lang="en-US" altLang="ko-KR" dirty="0" smtClean="0">
-              <a:solidFill>
-                <a:srgbClr val="FF0000"/>
-              </a:solidFill>
-            </a:endParaRPr>
-          </a:p>
-          <a:p>
-            <a:r>
-              <a:rPr lang="en-US" altLang="ko-KR" dirty="0" smtClean="0">
-                <a:solidFill>
-                  <a:srgbClr val="FF0000"/>
-                </a:solidFill>
-              </a:rPr>
-              <a:t>AWS </a:t>
+              <a:t> </a:t>
             </a:r>
             <a:r>
               <a:rPr lang="ko-KR" altLang="en-US" dirty="0" err="1" smtClean="0">
@@ -16335,7 +15509,15 @@
                   <a:srgbClr val="FF0000"/>
                 </a:solidFill>
               </a:rPr>
-              <a:t>추가계정</a:t>
+              <a:t>서버</a:t>
+            </a:r>
+            <a:r>
+              <a:rPr lang="ko-KR" altLang="en-US" dirty="0" err="1" smtClean="0">
+                <a:solidFill>
+                  <a:srgbClr val="FF0000"/>
+                </a:solidFill>
+              </a:rPr>
+              <a:t>각자</a:t>
             </a:r>
             <a:r>
               <a:rPr lang="ko-KR" altLang="en-US" dirty="0" smtClean="0">
@@ -16343,17 +15525,9 @@
                   <a:srgbClr val="FF0000"/>
                 </a:solidFill>
               </a:rPr>
-              <a:t> </a:t>
+              <a:t> 계정</a:t>
             </a:r>
-            <a:r>
-              <a:rPr lang="en-US" altLang="ko-KR" dirty="0">
-                <a:solidFill>
-                  <a:srgbClr val="FF0000"/>
-                </a:solidFill>
-              </a:rPr>
-              <a:t>3</a:t>
-            </a:r>
-            <a:endParaRPr lang="ko-KR" altLang="en-US" dirty="0">
+            <a:endParaRPr lang="en-US" altLang="ko-KR" dirty="0" smtClean="0">
               <a:solidFill>
                 <a:srgbClr val="FF0000"/>
               </a:solidFill>
@@ -16402,6 +15576,1227 @@
           </a:fontRef>
         </p:style>
       </p:cxnSp>
+      <p:pic>
+        <p:nvPicPr>
+          <p:cNvPr id="208" name="Graphic 23">
+            <a:extLst>
+              <a:ext uri="{FF2B5EF4-FFF2-40B4-BE49-F238E27FC236}">
+                <a16:creationId xmlns:a16="http://schemas.microsoft.com/office/drawing/2014/main" id="{62D2730D-18A1-477C-B84B-56208C341379}"/>
+              </a:ext>
+            </a:extLst>
+          </p:cNvPr>
+          <p:cNvPicPr>
+            <a:picLocks noChangeAspect="1" noChangeArrowheads="1"/>
+          </p:cNvPicPr>
+          <p:nvPr/>
+        </p:nvPicPr>
+        <p:blipFill>
+          <a:blip r:embed="rId3" cstate="hqprint">
+            <a:extLst>
+              <a:ext uri="{28A0092B-C50C-407E-A947-70E740481C1C}">
+                <a14:useLocalDpi xmlns:a14="http://schemas.microsoft.com/office/drawing/2010/main" val="0"/>
+              </a:ext>
+            </a:extLst>
+          </a:blip>
+          <a:srcRect/>
+          <a:stretch>
+            <a:fillRect/>
+          </a:stretch>
+        </p:blipFill>
+        <p:spPr bwMode="auto">
+          <a:xfrm>
+            <a:off x="1981163" y="1262089"/>
+            <a:ext cx="311984" cy="325360"/>
+          </a:xfrm>
+          <a:prstGeom prst="rect">
+            <a:avLst/>
+          </a:prstGeom>
+          <a:noFill/>
+          <a:ln>
+            <a:noFill/>
+          </a:ln>
+          <a:extLst>
+            <a:ext uri="{909E8E84-426E-40DD-AFC4-6F175D3DCCD1}">
+              <a14:hiddenFill xmlns:a14="http://schemas.microsoft.com/office/drawing/2010/main">
+                <a:solidFill>
+                  <a:srgbClr val="FFFFFF"/>
+                </a:solidFill>
+              </a14:hiddenFill>
+            </a:ext>
+            <a:ext uri="{91240B29-F687-4F45-9708-019B960494DF}">
+              <a14:hiddenLine xmlns:a14="http://schemas.microsoft.com/office/drawing/2010/main" w="9525">
+                <a:solidFill>
+                  <a:srgbClr val="000000"/>
+                </a:solidFill>
+                <a:miter lim="800000"/>
+                <a:headEnd/>
+                <a:tailEnd/>
+              </a14:hiddenLine>
+            </a:ext>
+          </a:extLst>
+        </p:spPr>
+      </p:pic>
+      <p:sp>
+        <p:nvSpPr>
+          <p:cNvPr id="209" name="Rectangle 31">
+            <a:extLst>
+              <a:ext uri="{FF2B5EF4-FFF2-40B4-BE49-F238E27FC236}">
+                <a16:creationId xmlns:a16="http://schemas.microsoft.com/office/drawing/2014/main" id="{BACE1BA7-6552-4A36-91F7-199493499D6F}"/>
+              </a:ext>
+            </a:extLst>
+          </p:cNvPr>
+          <p:cNvSpPr/>
+          <p:nvPr/>
+        </p:nvSpPr>
+        <p:spPr>
+          <a:xfrm>
+            <a:off x="1980950" y="1262090"/>
+            <a:ext cx="2927583" cy="1011942"/>
+          </a:xfrm>
+          <a:prstGeom prst="rect">
+            <a:avLst/>
+          </a:prstGeom>
+          <a:noFill/>
+          <a:ln w="12700">
+            <a:solidFill>
+              <a:srgbClr val="D86613"/>
+            </a:solidFill>
+          </a:ln>
+        </p:spPr>
+        <p:style>
+          <a:lnRef idx="2">
+            <a:schemeClr val="accent1">
+              <a:shade val="50000"/>
+            </a:schemeClr>
+          </a:lnRef>
+          <a:fillRef idx="1">
+            <a:schemeClr val="accent1"/>
+          </a:fillRef>
+          <a:effectRef idx="0">
+            <a:schemeClr val="accent1"/>
+          </a:effectRef>
+          <a:fontRef idx="minor">
+            <a:schemeClr val="lt1"/>
+          </a:fontRef>
+        </p:style>
+        <p:txBody>
+          <a:bodyPr lIns="457200" tIns="91440"/>
+          <a:lstStyle>
+            <a:defPPr>
+              <a:defRPr lang="en-US"/>
+            </a:defPPr>
+            <a:lvl1pPr algn="l" rtl="0" eaLnBrk="0" fontAlgn="base" hangingPunct="0">
+              <a:spcBef>
+                <a:spcPct val="0"/>
+              </a:spcBef>
+              <a:spcAft>
+                <a:spcPct val="0"/>
+              </a:spcAft>
+              <a:defRPr kern="1200">
+                <a:solidFill>
+                  <a:schemeClr val="lt1"/>
+                </a:solidFill>
+                <a:latin typeface="+mn-lt"/>
+                <a:ea typeface="+mn-ea"/>
+                <a:cs typeface="+mn-cs"/>
+              </a:defRPr>
+            </a:lvl1pPr>
+            <a:lvl2pPr marL="457200" algn="l" rtl="0" eaLnBrk="0" fontAlgn="base" hangingPunct="0">
+              <a:spcBef>
+                <a:spcPct val="0"/>
+              </a:spcBef>
+              <a:spcAft>
+                <a:spcPct val="0"/>
+              </a:spcAft>
+              <a:defRPr kern="1200">
+                <a:solidFill>
+                  <a:schemeClr val="lt1"/>
+                </a:solidFill>
+                <a:latin typeface="+mn-lt"/>
+                <a:ea typeface="+mn-ea"/>
+                <a:cs typeface="+mn-cs"/>
+              </a:defRPr>
+            </a:lvl2pPr>
+            <a:lvl3pPr marL="914400" algn="l" rtl="0" eaLnBrk="0" fontAlgn="base" hangingPunct="0">
+              <a:spcBef>
+                <a:spcPct val="0"/>
+              </a:spcBef>
+              <a:spcAft>
+                <a:spcPct val="0"/>
+              </a:spcAft>
+              <a:defRPr kern="1200">
+                <a:solidFill>
+                  <a:schemeClr val="lt1"/>
+                </a:solidFill>
+                <a:latin typeface="+mn-lt"/>
+                <a:ea typeface="+mn-ea"/>
+                <a:cs typeface="+mn-cs"/>
+              </a:defRPr>
+            </a:lvl3pPr>
+            <a:lvl4pPr marL="1371600" algn="l" rtl="0" eaLnBrk="0" fontAlgn="base" hangingPunct="0">
+              <a:spcBef>
+                <a:spcPct val="0"/>
+              </a:spcBef>
+              <a:spcAft>
+                <a:spcPct val="0"/>
+              </a:spcAft>
+              <a:defRPr kern="1200">
+                <a:solidFill>
+                  <a:schemeClr val="lt1"/>
+                </a:solidFill>
+                <a:latin typeface="+mn-lt"/>
+                <a:ea typeface="+mn-ea"/>
+                <a:cs typeface="+mn-cs"/>
+              </a:defRPr>
+            </a:lvl4pPr>
+            <a:lvl5pPr marL="1828800" algn="l" rtl="0" eaLnBrk="0" fontAlgn="base" hangingPunct="0">
+              <a:spcBef>
+                <a:spcPct val="0"/>
+              </a:spcBef>
+              <a:spcAft>
+                <a:spcPct val="0"/>
+              </a:spcAft>
+              <a:defRPr kern="1200">
+                <a:solidFill>
+                  <a:schemeClr val="lt1"/>
+                </a:solidFill>
+                <a:latin typeface="+mn-lt"/>
+                <a:ea typeface="+mn-ea"/>
+                <a:cs typeface="+mn-cs"/>
+              </a:defRPr>
+            </a:lvl5pPr>
+            <a:lvl6pPr marL="2286000" algn="l" defTabSz="914400" rtl="0" eaLnBrk="1" latinLnBrk="1" hangingPunct="1">
+              <a:defRPr kern="1200">
+                <a:solidFill>
+                  <a:schemeClr val="lt1"/>
+                </a:solidFill>
+                <a:latin typeface="+mn-lt"/>
+                <a:ea typeface="+mn-ea"/>
+                <a:cs typeface="+mn-cs"/>
+              </a:defRPr>
+            </a:lvl6pPr>
+            <a:lvl7pPr marL="2743200" algn="l" defTabSz="914400" rtl="0" eaLnBrk="1" latinLnBrk="1" hangingPunct="1">
+              <a:defRPr kern="1200">
+                <a:solidFill>
+                  <a:schemeClr val="lt1"/>
+                </a:solidFill>
+                <a:latin typeface="+mn-lt"/>
+                <a:ea typeface="+mn-ea"/>
+                <a:cs typeface="+mn-cs"/>
+              </a:defRPr>
+            </a:lvl7pPr>
+            <a:lvl8pPr marL="3200400" algn="l" defTabSz="914400" rtl="0" eaLnBrk="1" latinLnBrk="1" hangingPunct="1">
+              <a:defRPr kern="1200">
+                <a:solidFill>
+                  <a:schemeClr val="lt1"/>
+                </a:solidFill>
+                <a:latin typeface="+mn-lt"/>
+                <a:ea typeface="+mn-ea"/>
+                <a:cs typeface="+mn-cs"/>
+              </a:defRPr>
+            </a:lvl8pPr>
+            <a:lvl9pPr marL="3657600" algn="l" defTabSz="914400" rtl="0" eaLnBrk="1" latinLnBrk="1" hangingPunct="1">
+              <a:defRPr kern="1200">
+                <a:solidFill>
+                  <a:schemeClr val="lt1"/>
+                </a:solidFill>
+                <a:latin typeface="+mn-lt"/>
+                <a:ea typeface="+mn-ea"/>
+                <a:cs typeface="+mn-cs"/>
+              </a:defRPr>
+            </a:lvl9pPr>
+          </a:lstStyle>
+          <a:p>
+            <a:pPr eaLnBrk="1" fontAlgn="auto" hangingPunct="1">
+              <a:spcBef>
+                <a:spcPts val="0"/>
+              </a:spcBef>
+              <a:spcAft>
+                <a:spcPts val="0"/>
+              </a:spcAft>
+              <a:defRPr/>
+            </a:pPr>
+            <a:endParaRPr lang="en-US" sz="1200" dirty="0">
+              <a:ln w="0"/>
+              <a:solidFill>
+                <a:srgbClr val="D86613"/>
+              </a:solidFill>
+              <a:latin typeface="Arial" panose="020B0604020202020204" pitchFamily="34" charset="0"/>
+              <a:cs typeface="Arial" panose="020B0604020202020204" pitchFamily="34" charset="0"/>
+            </a:endParaRPr>
+          </a:p>
+        </p:txBody>
+      </p:sp>
+      <p:grpSp>
+        <p:nvGrpSpPr>
+          <p:cNvPr id="210" name="그룹 209"/>
+          <p:cNvGrpSpPr/>
+          <p:nvPr/>
+        </p:nvGrpSpPr>
+        <p:grpSpPr>
+          <a:xfrm>
+            <a:off x="2234209" y="1319563"/>
+            <a:ext cx="722746" cy="856200"/>
+            <a:chOff x="2044586" y="1140037"/>
+            <a:chExt cx="722746" cy="856200"/>
+          </a:xfrm>
+        </p:grpSpPr>
+        <p:pic>
+          <p:nvPicPr>
+            <p:cNvPr id="211" name="Picture 2" descr="파일의, 유형, nginx 무료 아이콘 의 vscode"/>
+            <p:cNvPicPr>
+              <a:picLocks noChangeAspect="1" noChangeArrowheads="1"/>
+            </p:cNvPicPr>
+            <p:nvPr/>
+          </p:nvPicPr>
+          <p:blipFill>
+            <a:blip r:embed="rId12" cstate="hqprint">
+              <a:extLst>
+                <a:ext uri="{28A0092B-C50C-407E-A947-70E740481C1C}">
+                  <a14:useLocalDpi xmlns:a14="http://schemas.microsoft.com/office/drawing/2010/main" val="0"/>
+                </a:ext>
+              </a:extLst>
+            </a:blip>
+            <a:srcRect/>
+            <a:stretch>
+              <a:fillRect/>
+            </a:stretch>
+          </p:blipFill>
+          <p:spPr bwMode="auto">
+            <a:xfrm>
+              <a:off x="2125929" y="1140037"/>
+              <a:ext cx="611501" cy="611501"/>
+            </a:xfrm>
+            <a:prstGeom prst="rect">
+              <a:avLst/>
+            </a:prstGeom>
+            <a:noFill/>
+            <a:extLst>
+              <a:ext uri="{909E8E84-426E-40DD-AFC4-6F175D3DCCD1}">
+                <a14:hiddenFill xmlns:a14="http://schemas.microsoft.com/office/drawing/2010/main">
+                  <a:solidFill>
+                    <a:srgbClr val="FFFFFF"/>
+                  </a:solidFill>
+                </a14:hiddenFill>
+              </a:ext>
+            </a:extLst>
+          </p:spPr>
+        </p:pic>
+        <p:sp>
+          <p:nvSpPr>
+            <p:cNvPr id="212" name="TextBox 6">
+              <a:extLst>
+                <a:ext uri="{FF2B5EF4-FFF2-40B4-BE49-F238E27FC236}">
+                  <a16:creationId xmlns:a16="http://schemas.microsoft.com/office/drawing/2014/main" id="{41912ED1-24A3-47EC-9EF9-D9659F85DFB2}"/>
+                </a:ext>
+              </a:extLst>
+            </p:cNvPr>
+            <p:cNvSpPr txBox="1">
+              <a:spLocks noChangeArrowheads="1"/>
+            </p:cNvSpPr>
+            <p:nvPr/>
+          </p:nvSpPr>
+          <p:spPr bwMode="auto">
+            <a:xfrm>
+              <a:off x="2044586" y="1719238"/>
+              <a:ext cx="722746" cy="276999"/>
+            </a:xfrm>
+            <a:prstGeom prst="rect">
+              <a:avLst/>
+            </a:prstGeom>
+            <a:noFill/>
+            <a:ln>
+              <a:noFill/>
+            </a:ln>
+            <a:extLst>
+              <a:ext uri="{909E8E84-426E-40DD-AFC4-6F175D3DCCD1}">
+                <a14:hiddenFill xmlns:a14="http://schemas.microsoft.com/office/drawing/2010/main">
+                  <a:solidFill>
+                    <a:srgbClr val="FFFFFF"/>
+                  </a:solidFill>
+                </a14:hiddenFill>
+              </a:ext>
+              <a:ext uri="{91240B29-F687-4F45-9708-019B960494DF}">
+                <a14:hiddenLine xmlns:a14="http://schemas.microsoft.com/office/drawing/2010/main" w="9525">
+                  <a:solidFill>
+                    <a:srgbClr val="000000"/>
+                  </a:solidFill>
+                  <a:miter lim="800000"/>
+                  <a:headEnd/>
+                  <a:tailEnd/>
+                </a14:hiddenLine>
+              </a:ext>
+            </a:extLst>
+          </p:spPr>
+          <p:txBody>
+            <a:bodyPr wrap="square">
+              <a:spAutoFit/>
+            </a:bodyPr>
+            <a:lstStyle>
+              <a:defPPr>
+                <a:defRPr lang="en-US"/>
+              </a:defPPr>
+              <a:lvl1pPr algn="l" rtl="0" eaLnBrk="0" fontAlgn="base" hangingPunct="0">
+                <a:spcBef>
+                  <a:spcPct val="0"/>
+                </a:spcBef>
+                <a:spcAft>
+                  <a:spcPct val="0"/>
+                </a:spcAft>
+                <a:defRPr kern="1200">
+                  <a:solidFill>
+                    <a:schemeClr val="tx1"/>
+                  </a:solidFill>
+                  <a:latin typeface="Calibri" panose="020F0502020204030204" pitchFamily="34" charset="0"/>
+                  <a:ea typeface="+mn-ea"/>
+                  <a:cs typeface="+mn-cs"/>
+                </a:defRPr>
+              </a:lvl1pPr>
+              <a:lvl2pPr marL="457200" algn="l" rtl="0" eaLnBrk="0" fontAlgn="base" hangingPunct="0">
+                <a:spcBef>
+                  <a:spcPct val="0"/>
+                </a:spcBef>
+                <a:spcAft>
+                  <a:spcPct val="0"/>
+                </a:spcAft>
+                <a:defRPr kern="1200">
+                  <a:solidFill>
+                    <a:schemeClr val="tx1"/>
+                  </a:solidFill>
+                  <a:latin typeface="Calibri" panose="020F0502020204030204" pitchFamily="34" charset="0"/>
+                  <a:ea typeface="+mn-ea"/>
+                  <a:cs typeface="+mn-cs"/>
+                </a:defRPr>
+              </a:lvl2pPr>
+              <a:lvl3pPr marL="914400" algn="l" rtl="0" eaLnBrk="0" fontAlgn="base" hangingPunct="0">
+                <a:spcBef>
+                  <a:spcPct val="0"/>
+                </a:spcBef>
+                <a:spcAft>
+                  <a:spcPct val="0"/>
+                </a:spcAft>
+                <a:defRPr kern="1200">
+                  <a:solidFill>
+                    <a:schemeClr val="tx1"/>
+                  </a:solidFill>
+                  <a:latin typeface="Calibri" panose="020F0502020204030204" pitchFamily="34" charset="0"/>
+                  <a:ea typeface="+mn-ea"/>
+                  <a:cs typeface="+mn-cs"/>
+                </a:defRPr>
+              </a:lvl3pPr>
+              <a:lvl4pPr marL="1371600" algn="l" rtl="0" eaLnBrk="0" fontAlgn="base" hangingPunct="0">
+                <a:spcBef>
+                  <a:spcPct val="0"/>
+                </a:spcBef>
+                <a:spcAft>
+                  <a:spcPct val="0"/>
+                </a:spcAft>
+                <a:defRPr kern="1200">
+                  <a:solidFill>
+                    <a:schemeClr val="tx1"/>
+                  </a:solidFill>
+                  <a:latin typeface="Calibri" panose="020F0502020204030204" pitchFamily="34" charset="0"/>
+                  <a:ea typeface="+mn-ea"/>
+                  <a:cs typeface="+mn-cs"/>
+                </a:defRPr>
+              </a:lvl4pPr>
+              <a:lvl5pPr marL="1828800" algn="l" rtl="0" eaLnBrk="0" fontAlgn="base" hangingPunct="0">
+                <a:spcBef>
+                  <a:spcPct val="0"/>
+                </a:spcBef>
+                <a:spcAft>
+                  <a:spcPct val="0"/>
+                </a:spcAft>
+                <a:defRPr kern="1200">
+                  <a:solidFill>
+                    <a:schemeClr val="tx1"/>
+                  </a:solidFill>
+                  <a:latin typeface="Calibri" panose="020F0502020204030204" pitchFamily="34" charset="0"/>
+                  <a:ea typeface="+mn-ea"/>
+                  <a:cs typeface="+mn-cs"/>
+                </a:defRPr>
+              </a:lvl5pPr>
+              <a:lvl6pPr marL="2286000" algn="l" defTabSz="914400" rtl="0" eaLnBrk="1" latinLnBrk="1" hangingPunct="1">
+                <a:defRPr kern="1200">
+                  <a:solidFill>
+                    <a:schemeClr val="tx1"/>
+                  </a:solidFill>
+                  <a:latin typeface="Calibri" panose="020F0502020204030204" pitchFamily="34" charset="0"/>
+                  <a:ea typeface="+mn-ea"/>
+                  <a:cs typeface="+mn-cs"/>
+                </a:defRPr>
+              </a:lvl6pPr>
+              <a:lvl7pPr marL="2743200" algn="l" defTabSz="914400" rtl="0" eaLnBrk="1" latinLnBrk="1" hangingPunct="1">
+                <a:defRPr kern="1200">
+                  <a:solidFill>
+                    <a:schemeClr val="tx1"/>
+                  </a:solidFill>
+                  <a:latin typeface="Calibri" panose="020F0502020204030204" pitchFamily="34" charset="0"/>
+                  <a:ea typeface="+mn-ea"/>
+                  <a:cs typeface="+mn-cs"/>
+                </a:defRPr>
+              </a:lvl7pPr>
+              <a:lvl8pPr marL="3200400" algn="l" defTabSz="914400" rtl="0" eaLnBrk="1" latinLnBrk="1" hangingPunct="1">
+                <a:defRPr kern="1200">
+                  <a:solidFill>
+                    <a:schemeClr val="tx1"/>
+                  </a:solidFill>
+                  <a:latin typeface="Calibri" panose="020F0502020204030204" pitchFamily="34" charset="0"/>
+                  <a:ea typeface="+mn-ea"/>
+                  <a:cs typeface="+mn-cs"/>
+                </a:defRPr>
+              </a:lvl8pPr>
+              <a:lvl9pPr marL="3657600" algn="l" defTabSz="914400" rtl="0" eaLnBrk="1" latinLnBrk="1" hangingPunct="1">
+                <a:defRPr kern="1200">
+                  <a:solidFill>
+                    <a:schemeClr val="tx1"/>
+                  </a:solidFill>
+                  <a:latin typeface="Calibri" panose="020F0502020204030204" pitchFamily="34" charset="0"/>
+                  <a:ea typeface="+mn-ea"/>
+                  <a:cs typeface="+mn-cs"/>
+                </a:defRPr>
+              </a:lvl9pPr>
+            </a:lstStyle>
+            <a:p>
+              <a:pPr algn="ctr" eaLnBrk="1" hangingPunct="1"/>
+              <a:r>
+                <a:rPr lang="en-US" altLang="en-US" sz="1200" dirty="0" err="1" smtClean="0">
+                  <a:latin typeface="Arial" panose="020B0604020202020204" pitchFamily="34" charset="0"/>
+                  <a:ea typeface="Amazon Ember" pitchFamily="34" charset="0"/>
+                  <a:cs typeface="Arial" panose="020B0604020202020204" pitchFamily="34" charset="0"/>
+                </a:rPr>
+                <a:t>NginX</a:t>
+              </a:r>
+              <a:endParaRPr lang="en-US" altLang="en-US" sz="1200" dirty="0">
+                <a:latin typeface="Arial" panose="020B0604020202020204" pitchFamily="34" charset="0"/>
+                <a:ea typeface="Amazon Ember" pitchFamily="34" charset="0"/>
+                <a:cs typeface="Arial" panose="020B0604020202020204" pitchFamily="34" charset="0"/>
+              </a:endParaRPr>
+            </a:p>
+          </p:txBody>
+        </p:sp>
+      </p:grpSp>
+      <p:grpSp>
+        <p:nvGrpSpPr>
+          <p:cNvPr id="213" name="그룹 212"/>
+          <p:cNvGrpSpPr/>
+          <p:nvPr/>
+        </p:nvGrpSpPr>
+        <p:grpSpPr>
+          <a:xfrm>
+            <a:off x="3756026" y="1290700"/>
+            <a:ext cx="1108935" cy="854869"/>
+            <a:chOff x="2747825" y="1218988"/>
+            <a:chExt cx="1108935" cy="854869"/>
+          </a:xfrm>
+        </p:grpSpPr>
+        <p:sp>
+          <p:nvSpPr>
+            <p:cNvPr id="214" name="TextBox 6">
+              <a:extLst>
+                <a:ext uri="{FF2B5EF4-FFF2-40B4-BE49-F238E27FC236}">
+                  <a16:creationId xmlns:a16="http://schemas.microsoft.com/office/drawing/2014/main" id="{41912ED1-24A3-47EC-9EF9-D9659F85DFB2}"/>
+                </a:ext>
+              </a:extLst>
+            </p:cNvPr>
+            <p:cNvSpPr txBox="1">
+              <a:spLocks noChangeArrowheads="1"/>
+            </p:cNvSpPr>
+            <p:nvPr/>
+          </p:nvSpPr>
+          <p:spPr bwMode="auto">
+            <a:xfrm>
+              <a:off x="2747825" y="1796858"/>
+              <a:ext cx="1108935" cy="276999"/>
+            </a:xfrm>
+            <a:prstGeom prst="rect">
+              <a:avLst/>
+            </a:prstGeom>
+            <a:noFill/>
+            <a:ln>
+              <a:noFill/>
+            </a:ln>
+            <a:extLst>
+              <a:ext uri="{909E8E84-426E-40DD-AFC4-6F175D3DCCD1}">
+                <a14:hiddenFill xmlns:a14="http://schemas.microsoft.com/office/drawing/2010/main">
+                  <a:solidFill>
+                    <a:srgbClr val="FFFFFF"/>
+                  </a:solidFill>
+                </a14:hiddenFill>
+              </a:ext>
+              <a:ext uri="{91240B29-F687-4F45-9708-019B960494DF}">
+                <a14:hiddenLine xmlns:a14="http://schemas.microsoft.com/office/drawing/2010/main" w="9525">
+                  <a:solidFill>
+                    <a:srgbClr val="000000"/>
+                  </a:solidFill>
+                  <a:miter lim="800000"/>
+                  <a:headEnd/>
+                  <a:tailEnd/>
+                </a14:hiddenLine>
+              </a:ext>
+            </a:extLst>
+          </p:spPr>
+          <p:txBody>
+            <a:bodyPr wrap="square">
+              <a:spAutoFit/>
+            </a:bodyPr>
+            <a:lstStyle>
+              <a:defPPr>
+                <a:defRPr lang="en-US"/>
+              </a:defPPr>
+              <a:lvl1pPr algn="l" rtl="0" eaLnBrk="0" fontAlgn="base" hangingPunct="0">
+                <a:spcBef>
+                  <a:spcPct val="0"/>
+                </a:spcBef>
+                <a:spcAft>
+                  <a:spcPct val="0"/>
+                </a:spcAft>
+                <a:defRPr kern="1200">
+                  <a:solidFill>
+                    <a:schemeClr val="tx1"/>
+                  </a:solidFill>
+                  <a:latin typeface="Calibri" panose="020F0502020204030204" pitchFamily="34" charset="0"/>
+                  <a:ea typeface="+mn-ea"/>
+                  <a:cs typeface="+mn-cs"/>
+                </a:defRPr>
+              </a:lvl1pPr>
+              <a:lvl2pPr marL="457200" algn="l" rtl="0" eaLnBrk="0" fontAlgn="base" hangingPunct="0">
+                <a:spcBef>
+                  <a:spcPct val="0"/>
+                </a:spcBef>
+                <a:spcAft>
+                  <a:spcPct val="0"/>
+                </a:spcAft>
+                <a:defRPr kern="1200">
+                  <a:solidFill>
+                    <a:schemeClr val="tx1"/>
+                  </a:solidFill>
+                  <a:latin typeface="Calibri" panose="020F0502020204030204" pitchFamily="34" charset="0"/>
+                  <a:ea typeface="+mn-ea"/>
+                  <a:cs typeface="+mn-cs"/>
+                </a:defRPr>
+              </a:lvl2pPr>
+              <a:lvl3pPr marL="914400" algn="l" rtl="0" eaLnBrk="0" fontAlgn="base" hangingPunct="0">
+                <a:spcBef>
+                  <a:spcPct val="0"/>
+                </a:spcBef>
+                <a:spcAft>
+                  <a:spcPct val="0"/>
+                </a:spcAft>
+                <a:defRPr kern="1200">
+                  <a:solidFill>
+                    <a:schemeClr val="tx1"/>
+                  </a:solidFill>
+                  <a:latin typeface="Calibri" panose="020F0502020204030204" pitchFamily="34" charset="0"/>
+                  <a:ea typeface="+mn-ea"/>
+                  <a:cs typeface="+mn-cs"/>
+                </a:defRPr>
+              </a:lvl3pPr>
+              <a:lvl4pPr marL="1371600" algn="l" rtl="0" eaLnBrk="0" fontAlgn="base" hangingPunct="0">
+                <a:spcBef>
+                  <a:spcPct val="0"/>
+                </a:spcBef>
+                <a:spcAft>
+                  <a:spcPct val="0"/>
+                </a:spcAft>
+                <a:defRPr kern="1200">
+                  <a:solidFill>
+                    <a:schemeClr val="tx1"/>
+                  </a:solidFill>
+                  <a:latin typeface="Calibri" panose="020F0502020204030204" pitchFamily="34" charset="0"/>
+                  <a:ea typeface="+mn-ea"/>
+                  <a:cs typeface="+mn-cs"/>
+                </a:defRPr>
+              </a:lvl4pPr>
+              <a:lvl5pPr marL="1828800" algn="l" rtl="0" eaLnBrk="0" fontAlgn="base" hangingPunct="0">
+                <a:spcBef>
+                  <a:spcPct val="0"/>
+                </a:spcBef>
+                <a:spcAft>
+                  <a:spcPct val="0"/>
+                </a:spcAft>
+                <a:defRPr kern="1200">
+                  <a:solidFill>
+                    <a:schemeClr val="tx1"/>
+                  </a:solidFill>
+                  <a:latin typeface="Calibri" panose="020F0502020204030204" pitchFamily="34" charset="0"/>
+                  <a:ea typeface="+mn-ea"/>
+                  <a:cs typeface="+mn-cs"/>
+                </a:defRPr>
+              </a:lvl5pPr>
+              <a:lvl6pPr marL="2286000" algn="l" defTabSz="914400" rtl="0" eaLnBrk="1" latinLnBrk="1" hangingPunct="1">
+                <a:defRPr kern="1200">
+                  <a:solidFill>
+                    <a:schemeClr val="tx1"/>
+                  </a:solidFill>
+                  <a:latin typeface="Calibri" panose="020F0502020204030204" pitchFamily="34" charset="0"/>
+                  <a:ea typeface="+mn-ea"/>
+                  <a:cs typeface="+mn-cs"/>
+                </a:defRPr>
+              </a:lvl6pPr>
+              <a:lvl7pPr marL="2743200" algn="l" defTabSz="914400" rtl="0" eaLnBrk="1" latinLnBrk="1" hangingPunct="1">
+                <a:defRPr kern="1200">
+                  <a:solidFill>
+                    <a:schemeClr val="tx1"/>
+                  </a:solidFill>
+                  <a:latin typeface="Calibri" panose="020F0502020204030204" pitchFamily="34" charset="0"/>
+                  <a:ea typeface="+mn-ea"/>
+                  <a:cs typeface="+mn-cs"/>
+                </a:defRPr>
+              </a:lvl7pPr>
+              <a:lvl8pPr marL="3200400" algn="l" defTabSz="914400" rtl="0" eaLnBrk="1" latinLnBrk="1" hangingPunct="1">
+                <a:defRPr kern="1200">
+                  <a:solidFill>
+                    <a:schemeClr val="tx1"/>
+                  </a:solidFill>
+                  <a:latin typeface="Calibri" panose="020F0502020204030204" pitchFamily="34" charset="0"/>
+                  <a:ea typeface="+mn-ea"/>
+                  <a:cs typeface="+mn-cs"/>
+                </a:defRPr>
+              </a:lvl8pPr>
+              <a:lvl9pPr marL="3657600" algn="l" defTabSz="914400" rtl="0" eaLnBrk="1" latinLnBrk="1" hangingPunct="1">
+                <a:defRPr kern="1200">
+                  <a:solidFill>
+                    <a:schemeClr val="tx1"/>
+                  </a:solidFill>
+                  <a:latin typeface="Calibri" panose="020F0502020204030204" pitchFamily="34" charset="0"/>
+                  <a:ea typeface="+mn-ea"/>
+                  <a:cs typeface="+mn-cs"/>
+                </a:defRPr>
+              </a:lvl9pPr>
+            </a:lstStyle>
+            <a:p>
+              <a:pPr algn="ctr" eaLnBrk="1" hangingPunct="1"/>
+              <a:r>
+                <a:rPr lang="en-US" altLang="en-US" sz="1200" dirty="0" smtClean="0">
+                  <a:latin typeface="Arial" panose="020B0604020202020204" pitchFamily="34" charset="0"/>
+                  <a:ea typeface="Amazon Ember" pitchFamily="34" charset="0"/>
+                  <a:cs typeface="Arial" panose="020B0604020202020204" pitchFamily="34" charset="0"/>
+                </a:rPr>
+                <a:t>React App </a:t>
+              </a:r>
+              <a:r>
+                <a:rPr lang="en-US" altLang="en-US" sz="1200" dirty="0">
+                  <a:latin typeface="Arial" panose="020B0604020202020204" pitchFamily="34" charset="0"/>
+                  <a:ea typeface="Amazon Ember" pitchFamily="34" charset="0"/>
+                  <a:cs typeface="Arial" panose="020B0604020202020204" pitchFamily="34" charset="0"/>
+                </a:rPr>
+                <a:t>B</a:t>
+              </a:r>
+              <a:endParaRPr lang="en-US" altLang="en-US" sz="1200" dirty="0">
+                <a:latin typeface="Arial" panose="020B0604020202020204" pitchFamily="34" charset="0"/>
+                <a:ea typeface="Amazon Ember" pitchFamily="34" charset="0"/>
+                <a:cs typeface="Arial" panose="020B0604020202020204" pitchFamily="34" charset="0"/>
+              </a:endParaRPr>
+            </a:p>
+          </p:txBody>
+        </p:sp>
+        <p:pic>
+          <p:nvPicPr>
+            <p:cNvPr id="215" name="Picture 4" descr="파일:React-icon.svg - 위키백과, 우리 모두의 백과사전"/>
+            <p:cNvPicPr>
+              <a:picLocks noChangeAspect="1" noChangeArrowheads="1"/>
+            </p:cNvPicPr>
+            <p:nvPr/>
+          </p:nvPicPr>
+          <p:blipFill>
+            <a:blip r:embed="rId19" cstate="hqprint">
+              <a:extLst>
+                <a:ext uri="{28A0092B-C50C-407E-A947-70E740481C1C}">
+                  <a14:useLocalDpi xmlns:a14="http://schemas.microsoft.com/office/drawing/2010/main" val="0"/>
+                </a:ext>
+              </a:extLst>
+            </a:blip>
+            <a:srcRect/>
+            <a:stretch>
+              <a:fillRect/>
+            </a:stretch>
+          </p:blipFill>
+          <p:spPr bwMode="auto">
+            <a:xfrm>
+              <a:off x="2842724" y="1218988"/>
+              <a:ext cx="888420" cy="627794"/>
+            </a:xfrm>
+            <a:prstGeom prst="rect">
+              <a:avLst/>
+            </a:prstGeom>
+            <a:noFill/>
+            <a:extLst>
+              <a:ext uri="{909E8E84-426E-40DD-AFC4-6F175D3DCCD1}">
+                <a14:hiddenFill xmlns:a14="http://schemas.microsoft.com/office/drawing/2010/main">
+                  <a:solidFill>
+                    <a:srgbClr val="FFFFFF"/>
+                  </a:solidFill>
+                </a14:hiddenFill>
+              </a:ext>
+            </a:extLst>
+          </p:spPr>
+        </p:pic>
+      </p:grpSp>
+      <p:grpSp>
+        <p:nvGrpSpPr>
+          <p:cNvPr id="11" name="그룹 10"/>
+          <p:cNvGrpSpPr/>
+          <p:nvPr/>
+        </p:nvGrpSpPr>
+        <p:grpSpPr>
+          <a:xfrm>
+            <a:off x="2794941" y="77794"/>
+            <a:ext cx="1123429" cy="938749"/>
+            <a:chOff x="2920426" y="102369"/>
+            <a:chExt cx="1123429" cy="938749"/>
+          </a:xfrm>
+        </p:grpSpPr>
+        <p:pic>
+          <p:nvPicPr>
+            <p:cNvPr id="10" name="그림 9"/>
+            <p:cNvPicPr>
+              <a:picLocks noChangeAspect="1"/>
+            </p:cNvPicPr>
+            <p:nvPr/>
+          </p:nvPicPr>
+          <p:blipFill>
+            <a:blip r:embed="rId25"/>
+            <a:stretch>
+              <a:fillRect/>
+            </a:stretch>
+          </p:blipFill>
+          <p:spPr>
+            <a:xfrm>
+              <a:off x="3146440" y="102369"/>
+              <a:ext cx="706116" cy="706116"/>
+            </a:xfrm>
+            <a:prstGeom prst="rect">
+              <a:avLst/>
+            </a:prstGeom>
+          </p:spPr>
+        </p:pic>
+        <p:sp>
+          <p:nvSpPr>
+            <p:cNvPr id="217" name="TextBox 6">
+              <a:extLst>
+                <a:ext uri="{FF2B5EF4-FFF2-40B4-BE49-F238E27FC236}">
+                  <a16:creationId xmlns:a16="http://schemas.microsoft.com/office/drawing/2014/main" id="{41912ED1-24A3-47EC-9EF9-D9659F85DFB2}"/>
+                </a:ext>
+              </a:extLst>
+            </p:cNvPr>
+            <p:cNvSpPr txBox="1">
+              <a:spLocks noChangeArrowheads="1"/>
+            </p:cNvSpPr>
+            <p:nvPr/>
+          </p:nvSpPr>
+          <p:spPr bwMode="auto">
+            <a:xfrm>
+              <a:off x="2920426" y="764119"/>
+              <a:ext cx="1123429" cy="276999"/>
+            </a:xfrm>
+            <a:prstGeom prst="rect">
+              <a:avLst/>
+            </a:prstGeom>
+            <a:noFill/>
+            <a:ln>
+              <a:noFill/>
+            </a:ln>
+            <a:extLst>
+              <a:ext uri="{909E8E84-426E-40DD-AFC4-6F175D3DCCD1}">
+                <a14:hiddenFill xmlns:a14="http://schemas.microsoft.com/office/drawing/2010/main">
+                  <a:solidFill>
+                    <a:srgbClr val="FFFFFF"/>
+                  </a:solidFill>
+                </a14:hiddenFill>
+              </a:ext>
+              <a:ext uri="{91240B29-F687-4F45-9708-019B960494DF}">
+                <a14:hiddenLine xmlns:a14="http://schemas.microsoft.com/office/drawing/2010/main" w="9525">
+                  <a:solidFill>
+                    <a:srgbClr val="000000"/>
+                  </a:solidFill>
+                  <a:miter lim="800000"/>
+                  <a:headEnd/>
+                  <a:tailEnd/>
+                </a14:hiddenLine>
+              </a:ext>
+            </a:extLst>
+          </p:spPr>
+          <p:txBody>
+            <a:bodyPr wrap="square">
+              <a:spAutoFit/>
+            </a:bodyPr>
+            <a:lstStyle>
+              <a:defPPr>
+                <a:defRPr lang="en-US"/>
+              </a:defPPr>
+              <a:lvl1pPr algn="l" rtl="0" eaLnBrk="0" fontAlgn="base" hangingPunct="0">
+                <a:spcBef>
+                  <a:spcPct val="0"/>
+                </a:spcBef>
+                <a:spcAft>
+                  <a:spcPct val="0"/>
+                </a:spcAft>
+                <a:defRPr kern="1200">
+                  <a:solidFill>
+                    <a:schemeClr val="tx1"/>
+                  </a:solidFill>
+                  <a:latin typeface="Calibri" panose="020F0502020204030204" pitchFamily="34" charset="0"/>
+                  <a:ea typeface="+mn-ea"/>
+                  <a:cs typeface="+mn-cs"/>
+                </a:defRPr>
+              </a:lvl1pPr>
+              <a:lvl2pPr marL="457200" algn="l" rtl="0" eaLnBrk="0" fontAlgn="base" hangingPunct="0">
+                <a:spcBef>
+                  <a:spcPct val="0"/>
+                </a:spcBef>
+                <a:spcAft>
+                  <a:spcPct val="0"/>
+                </a:spcAft>
+                <a:defRPr kern="1200">
+                  <a:solidFill>
+                    <a:schemeClr val="tx1"/>
+                  </a:solidFill>
+                  <a:latin typeface="Calibri" panose="020F0502020204030204" pitchFamily="34" charset="0"/>
+                  <a:ea typeface="+mn-ea"/>
+                  <a:cs typeface="+mn-cs"/>
+                </a:defRPr>
+              </a:lvl2pPr>
+              <a:lvl3pPr marL="914400" algn="l" rtl="0" eaLnBrk="0" fontAlgn="base" hangingPunct="0">
+                <a:spcBef>
+                  <a:spcPct val="0"/>
+                </a:spcBef>
+                <a:spcAft>
+                  <a:spcPct val="0"/>
+                </a:spcAft>
+                <a:defRPr kern="1200">
+                  <a:solidFill>
+                    <a:schemeClr val="tx1"/>
+                  </a:solidFill>
+                  <a:latin typeface="Calibri" panose="020F0502020204030204" pitchFamily="34" charset="0"/>
+                  <a:ea typeface="+mn-ea"/>
+                  <a:cs typeface="+mn-cs"/>
+                </a:defRPr>
+              </a:lvl3pPr>
+              <a:lvl4pPr marL="1371600" algn="l" rtl="0" eaLnBrk="0" fontAlgn="base" hangingPunct="0">
+                <a:spcBef>
+                  <a:spcPct val="0"/>
+                </a:spcBef>
+                <a:spcAft>
+                  <a:spcPct val="0"/>
+                </a:spcAft>
+                <a:defRPr kern="1200">
+                  <a:solidFill>
+                    <a:schemeClr val="tx1"/>
+                  </a:solidFill>
+                  <a:latin typeface="Calibri" panose="020F0502020204030204" pitchFamily="34" charset="0"/>
+                  <a:ea typeface="+mn-ea"/>
+                  <a:cs typeface="+mn-cs"/>
+                </a:defRPr>
+              </a:lvl4pPr>
+              <a:lvl5pPr marL="1828800" algn="l" rtl="0" eaLnBrk="0" fontAlgn="base" hangingPunct="0">
+                <a:spcBef>
+                  <a:spcPct val="0"/>
+                </a:spcBef>
+                <a:spcAft>
+                  <a:spcPct val="0"/>
+                </a:spcAft>
+                <a:defRPr kern="1200">
+                  <a:solidFill>
+                    <a:schemeClr val="tx1"/>
+                  </a:solidFill>
+                  <a:latin typeface="Calibri" panose="020F0502020204030204" pitchFamily="34" charset="0"/>
+                  <a:ea typeface="+mn-ea"/>
+                  <a:cs typeface="+mn-cs"/>
+                </a:defRPr>
+              </a:lvl5pPr>
+              <a:lvl6pPr marL="2286000" algn="l" defTabSz="914400" rtl="0" eaLnBrk="1" latinLnBrk="1" hangingPunct="1">
+                <a:defRPr kern="1200">
+                  <a:solidFill>
+                    <a:schemeClr val="tx1"/>
+                  </a:solidFill>
+                  <a:latin typeface="Calibri" panose="020F0502020204030204" pitchFamily="34" charset="0"/>
+                  <a:ea typeface="+mn-ea"/>
+                  <a:cs typeface="+mn-cs"/>
+                </a:defRPr>
+              </a:lvl6pPr>
+              <a:lvl7pPr marL="2743200" algn="l" defTabSz="914400" rtl="0" eaLnBrk="1" latinLnBrk="1" hangingPunct="1">
+                <a:defRPr kern="1200">
+                  <a:solidFill>
+                    <a:schemeClr val="tx1"/>
+                  </a:solidFill>
+                  <a:latin typeface="Calibri" panose="020F0502020204030204" pitchFamily="34" charset="0"/>
+                  <a:ea typeface="+mn-ea"/>
+                  <a:cs typeface="+mn-cs"/>
+                </a:defRPr>
+              </a:lvl7pPr>
+              <a:lvl8pPr marL="3200400" algn="l" defTabSz="914400" rtl="0" eaLnBrk="1" latinLnBrk="1" hangingPunct="1">
+                <a:defRPr kern="1200">
+                  <a:solidFill>
+                    <a:schemeClr val="tx1"/>
+                  </a:solidFill>
+                  <a:latin typeface="Calibri" panose="020F0502020204030204" pitchFamily="34" charset="0"/>
+                  <a:ea typeface="+mn-ea"/>
+                  <a:cs typeface="+mn-cs"/>
+                </a:defRPr>
+              </a:lvl8pPr>
+              <a:lvl9pPr marL="3657600" algn="l" defTabSz="914400" rtl="0" eaLnBrk="1" latinLnBrk="1" hangingPunct="1">
+                <a:defRPr kern="1200">
+                  <a:solidFill>
+                    <a:schemeClr val="tx1"/>
+                  </a:solidFill>
+                  <a:latin typeface="Calibri" panose="020F0502020204030204" pitchFamily="34" charset="0"/>
+                  <a:ea typeface="+mn-ea"/>
+                  <a:cs typeface="+mn-cs"/>
+                </a:defRPr>
+              </a:lvl9pPr>
+            </a:lstStyle>
+            <a:p>
+              <a:pPr algn="ctr" eaLnBrk="1" hangingPunct="1"/>
+              <a:r>
+                <a:rPr lang="en-US" altLang="en-US" sz="1200" dirty="0" smtClean="0">
+                  <a:latin typeface="Arial" panose="020B0604020202020204" pitchFamily="34" charset="0"/>
+                  <a:ea typeface="Amazon Ember" pitchFamily="34" charset="0"/>
+                  <a:cs typeface="Arial" panose="020B0604020202020204" pitchFamily="34" charset="0"/>
+                </a:rPr>
+                <a:t>Next Server</a:t>
+              </a:r>
+              <a:endParaRPr lang="en-US" altLang="en-US" sz="1200" dirty="0">
+                <a:latin typeface="Arial" panose="020B0604020202020204" pitchFamily="34" charset="0"/>
+                <a:ea typeface="Amazon Ember" pitchFamily="34" charset="0"/>
+                <a:cs typeface="Arial" panose="020B0604020202020204" pitchFamily="34" charset="0"/>
+              </a:endParaRPr>
+            </a:p>
+          </p:txBody>
+        </p:sp>
+      </p:grpSp>
+      <p:grpSp>
+        <p:nvGrpSpPr>
+          <p:cNvPr id="218" name="그룹 217"/>
+          <p:cNvGrpSpPr/>
+          <p:nvPr/>
+        </p:nvGrpSpPr>
+        <p:grpSpPr>
+          <a:xfrm>
+            <a:off x="2803476" y="1210175"/>
+            <a:ext cx="1123429" cy="938749"/>
+            <a:chOff x="2920426" y="102369"/>
+            <a:chExt cx="1123429" cy="938749"/>
+          </a:xfrm>
+        </p:grpSpPr>
+        <p:pic>
+          <p:nvPicPr>
+            <p:cNvPr id="219" name="그림 218"/>
+            <p:cNvPicPr>
+              <a:picLocks noChangeAspect="1"/>
+            </p:cNvPicPr>
+            <p:nvPr/>
+          </p:nvPicPr>
+          <p:blipFill>
+            <a:blip r:embed="rId25"/>
+            <a:stretch>
+              <a:fillRect/>
+            </a:stretch>
+          </p:blipFill>
+          <p:spPr>
+            <a:xfrm>
+              <a:off x="3146440" y="102369"/>
+              <a:ext cx="706116" cy="706116"/>
+            </a:xfrm>
+            <a:prstGeom prst="rect">
+              <a:avLst/>
+            </a:prstGeom>
+          </p:spPr>
+        </p:pic>
+        <p:sp>
+          <p:nvSpPr>
+            <p:cNvPr id="220" name="TextBox 6">
+              <a:extLst>
+                <a:ext uri="{FF2B5EF4-FFF2-40B4-BE49-F238E27FC236}">
+                  <a16:creationId xmlns:a16="http://schemas.microsoft.com/office/drawing/2014/main" id="{41912ED1-24A3-47EC-9EF9-D9659F85DFB2}"/>
+                </a:ext>
+              </a:extLst>
+            </p:cNvPr>
+            <p:cNvSpPr txBox="1">
+              <a:spLocks noChangeArrowheads="1"/>
+            </p:cNvSpPr>
+            <p:nvPr/>
+          </p:nvSpPr>
+          <p:spPr bwMode="auto">
+            <a:xfrm>
+              <a:off x="2920426" y="764119"/>
+              <a:ext cx="1123429" cy="276999"/>
+            </a:xfrm>
+            <a:prstGeom prst="rect">
+              <a:avLst/>
+            </a:prstGeom>
+            <a:noFill/>
+            <a:ln>
+              <a:noFill/>
+            </a:ln>
+            <a:extLst>
+              <a:ext uri="{909E8E84-426E-40DD-AFC4-6F175D3DCCD1}">
+                <a14:hiddenFill xmlns:a14="http://schemas.microsoft.com/office/drawing/2010/main">
+                  <a:solidFill>
+                    <a:srgbClr val="FFFFFF"/>
+                  </a:solidFill>
+                </a14:hiddenFill>
+              </a:ext>
+              <a:ext uri="{91240B29-F687-4F45-9708-019B960494DF}">
+                <a14:hiddenLine xmlns:a14="http://schemas.microsoft.com/office/drawing/2010/main" w="9525">
+                  <a:solidFill>
+                    <a:srgbClr val="000000"/>
+                  </a:solidFill>
+                  <a:miter lim="800000"/>
+                  <a:headEnd/>
+                  <a:tailEnd/>
+                </a14:hiddenLine>
+              </a:ext>
+            </a:extLst>
+          </p:spPr>
+          <p:txBody>
+            <a:bodyPr wrap="square">
+              <a:spAutoFit/>
+            </a:bodyPr>
+            <a:lstStyle>
+              <a:defPPr>
+                <a:defRPr lang="en-US"/>
+              </a:defPPr>
+              <a:lvl1pPr algn="l" rtl="0" eaLnBrk="0" fontAlgn="base" hangingPunct="0">
+                <a:spcBef>
+                  <a:spcPct val="0"/>
+                </a:spcBef>
+                <a:spcAft>
+                  <a:spcPct val="0"/>
+                </a:spcAft>
+                <a:defRPr kern="1200">
+                  <a:solidFill>
+                    <a:schemeClr val="tx1"/>
+                  </a:solidFill>
+                  <a:latin typeface="Calibri" panose="020F0502020204030204" pitchFamily="34" charset="0"/>
+                  <a:ea typeface="+mn-ea"/>
+                  <a:cs typeface="+mn-cs"/>
+                </a:defRPr>
+              </a:lvl1pPr>
+              <a:lvl2pPr marL="457200" algn="l" rtl="0" eaLnBrk="0" fontAlgn="base" hangingPunct="0">
+                <a:spcBef>
+                  <a:spcPct val="0"/>
+                </a:spcBef>
+                <a:spcAft>
+                  <a:spcPct val="0"/>
+                </a:spcAft>
+                <a:defRPr kern="1200">
+                  <a:solidFill>
+                    <a:schemeClr val="tx1"/>
+                  </a:solidFill>
+                  <a:latin typeface="Calibri" panose="020F0502020204030204" pitchFamily="34" charset="0"/>
+                  <a:ea typeface="+mn-ea"/>
+                  <a:cs typeface="+mn-cs"/>
+                </a:defRPr>
+              </a:lvl2pPr>
+              <a:lvl3pPr marL="914400" algn="l" rtl="0" eaLnBrk="0" fontAlgn="base" hangingPunct="0">
+                <a:spcBef>
+                  <a:spcPct val="0"/>
+                </a:spcBef>
+                <a:spcAft>
+                  <a:spcPct val="0"/>
+                </a:spcAft>
+                <a:defRPr kern="1200">
+                  <a:solidFill>
+                    <a:schemeClr val="tx1"/>
+                  </a:solidFill>
+                  <a:latin typeface="Calibri" panose="020F0502020204030204" pitchFamily="34" charset="0"/>
+                  <a:ea typeface="+mn-ea"/>
+                  <a:cs typeface="+mn-cs"/>
+                </a:defRPr>
+              </a:lvl3pPr>
+              <a:lvl4pPr marL="1371600" algn="l" rtl="0" eaLnBrk="0" fontAlgn="base" hangingPunct="0">
+                <a:spcBef>
+                  <a:spcPct val="0"/>
+                </a:spcBef>
+                <a:spcAft>
+                  <a:spcPct val="0"/>
+                </a:spcAft>
+                <a:defRPr kern="1200">
+                  <a:solidFill>
+                    <a:schemeClr val="tx1"/>
+                  </a:solidFill>
+                  <a:latin typeface="Calibri" panose="020F0502020204030204" pitchFamily="34" charset="0"/>
+                  <a:ea typeface="+mn-ea"/>
+                  <a:cs typeface="+mn-cs"/>
+                </a:defRPr>
+              </a:lvl4pPr>
+              <a:lvl5pPr marL="1828800" algn="l" rtl="0" eaLnBrk="0" fontAlgn="base" hangingPunct="0">
+                <a:spcBef>
+                  <a:spcPct val="0"/>
+                </a:spcBef>
+                <a:spcAft>
+                  <a:spcPct val="0"/>
+                </a:spcAft>
+                <a:defRPr kern="1200">
+                  <a:solidFill>
+                    <a:schemeClr val="tx1"/>
+                  </a:solidFill>
+                  <a:latin typeface="Calibri" panose="020F0502020204030204" pitchFamily="34" charset="0"/>
+                  <a:ea typeface="+mn-ea"/>
+                  <a:cs typeface="+mn-cs"/>
+                </a:defRPr>
+              </a:lvl5pPr>
+              <a:lvl6pPr marL="2286000" algn="l" defTabSz="914400" rtl="0" eaLnBrk="1" latinLnBrk="1" hangingPunct="1">
+                <a:defRPr kern="1200">
+                  <a:solidFill>
+                    <a:schemeClr val="tx1"/>
+                  </a:solidFill>
+                  <a:latin typeface="Calibri" panose="020F0502020204030204" pitchFamily="34" charset="0"/>
+                  <a:ea typeface="+mn-ea"/>
+                  <a:cs typeface="+mn-cs"/>
+                </a:defRPr>
+              </a:lvl6pPr>
+              <a:lvl7pPr marL="2743200" algn="l" defTabSz="914400" rtl="0" eaLnBrk="1" latinLnBrk="1" hangingPunct="1">
+                <a:defRPr kern="1200">
+                  <a:solidFill>
+                    <a:schemeClr val="tx1"/>
+                  </a:solidFill>
+                  <a:latin typeface="Calibri" panose="020F0502020204030204" pitchFamily="34" charset="0"/>
+                  <a:ea typeface="+mn-ea"/>
+                  <a:cs typeface="+mn-cs"/>
+                </a:defRPr>
+              </a:lvl7pPr>
+              <a:lvl8pPr marL="3200400" algn="l" defTabSz="914400" rtl="0" eaLnBrk="1" latinLnBrk="1" hangingPunct="1">
+                <a:defRPr kern="1200">
+                  <a:solidFill>
+                    <a:schemeClr val="tx1"/>
+                  </a:solidFill>
+                  <a:latin typeface="Calibri" panose="020F0502020204030204" pitchFamily="34" charset="0"/>
+                  <a:ea typeface="+mn-ea"/>
+                  <a:cs typeface="+mn-cs"/>
+                </a:defRPr>
+              </a:lvl8pPr>
+              <a:lvl9pPr marL="3657600" algn="l" defTabSz="914400" rtl="0" eaLnBrk="1" latinLnBrk="1" hangingPunct="1">
+                <a:defRPr kern="1200">
+                  <a:solidFill>
+                    <a:schemeClr val="tx1"/>
+                  </a:solidFill>
+                  <a:latin typeface="Calibri" panose="020F0502020204030204" pitchFamily="34" charset="0"/>
+                  <a:ea typeface="+mn-ea"/>
+                  <a:cs typeface="+mn-cs"/>
+                </a:defRPr>
+              </a:lvl9pPr>
+            </a:lstStyle>
+            <a:p>
+              <a:pPr algn="ctr" eaLnBrk="1" hangingPunct="1"/>
+              <a:r>
+                <a:rPr lang="en-US" altLang="en-US" sz="1200" dirty="0" smtClean="0">
+                  <a:latin typeface="Arial" panose="020B0604020202020204" pitchFamily="34" charset="0"/>
+                  <a:ea typeface="Amazon Ember" pitchFamily="34" charset="0"/>
+                  <a:cs typeface="Arial" panose="020B0604020202020204" pitchFamily="34" charset="0"/>
+                </a:rPr>
+                <a:t>Next Server</a:t>
+              </a:r>
+              <a:endParaRPr lang="en-US" altLang="en-US" sz="1200" dirty="0">
+                <a:latin typeface="Arial" panose="020B0604020202020204" pitchFamily="34" charset="0"/>
+                <a:ea typeface="Amazon Ember" pitchFamily="34" charset="0"/>
+                <a:cs typeface="Arial" panose="020B0604020202020204" pitchFamily="34" charset="0"/>
+              </a:endParaRPr>
+            </a:p>
+          </p:txBody>
+        </p:sp>
+      </p:grpSp>
     </p:spTree>
     <p:extLst>
       <p:ext uri="{BB962C8B-B14F-4D97-AF65-F5344CB8AC3E}">
